--- a/프로젝트 계획.pptx
+++ b/프로젝트 계획.pptx
@@ -6,6 +6,8 @@
   </p:sldMasterIdLst>
   <p:sldIdLst>
     <p:sldId id="256" r:id="rId2"/>
+    <p:sldId id="257" r:id="rId3"/>
+    <p:sldId id="258" r:id="rId4"/>
   </p:sldIdLst>
   <p:sldSz cx="12192000" cy="6858000"/>
   <p:notesSz cx="6858000" cy="9144000"/>
@@ -104,6 +106,11 @@
       </a:defRPr>
     </a:lvl9pPr>
   </p:defaultTextStyle>
+  <p:extLst>
+    <p:ext uri="{EFAFB233-063F-42B5-8137-9DF3F51BA10A}">
+      <p15:sldGuideLst xmlns:p15="http://schemas.microsoft.com/office/powerpoint/2012/main"/>
+    </p:ext>
+  </p:extLst>
 </p:presentation>
 </file>
 
@@ -254,7 +261,7 @@
           <a:p>
             <a:fld id="{CC676292-E4C0-47B9-A761-4E2603273122}" type="datetimeFigureOut">
               <a:rPr lang="ko-KR" altLang="en-US" smtClean="0"/>
-              <a:t>2023-05-25</a:t>
+              <a:t>2023-05-30</a:t>
             </a:fld>
             <a:endParaRPr lang="ko-KR" altLang="en-US"/>
           </a:p>
@@ -452,7 +459,7 @@
           <a:p>
             <a:fld id="{CC676292-E4C0-47B9-A761-4E2603273122}" type="datetimeFigureOut">
               <a:rPr lang="ko-KR" altLang="en-US" smtClean="0"/>
-              <a:t>2023-05-25</a:t>
+              <a:t>2023-05-30</a:t>
             </a:fld>
             <a:endParaRPr lang="ko-KR" altLang="en-US"/>
           </a:p>
@@ -660,7 +667,7 @@
           <a:p>
             <a:fld id="{CC676292-E4C0-47B9-A761-4E2603273122}" type="datetimeFigureOut">
               <a:rPr lang="ko-KR" altLang="en-US" smtClean="0"/>
-              <a:t>2023-05-25</a:t>
+              <a:t>2023-05-30</a:t>
             </a:fld>
             <a:endParaRPr lang="ko-KR" altLang="en-US"/>
           </a:p>
@@ -858,7 +865,7 @@
           <a:p>
             <a:fld id="{CC676292-E4C0-47B9-A761-4E2603273122}" type="datetimeFigureOut">
               <a:rPr lang="ko-KR" altLang="en-US" smtClean="0"/>
-              <a:t>2023-05-25</a:t>
+              <a:t>2023-05-30</a:t>
             </a:fld>
             <a:endParaRPr lang="ko-KR" altLang="en-US"/>
           </a:p>
@@ -1133,7 +1140,7 @@
           <a:p>
             <a:fld id="{CC676292-E4C0-47B9-A761-4E2603273122}" type="datetimeFigureOut">
               <a:rPr lang="ko-KR" altLang="en-US" smtClean="0"/>
-              <a:t>2023-05-25</a:t>
+              <a:t>2023-05-30</a:t>
             </a:fld>
             <a:endParaRPr lang="ko-KR" altLang="en-US"/>
           </a:p>
@@ -1398,7 +1405,7 @@
           <a:p>
             <a:fld id="{CC676292-E4C0-47B9-A761-4E2603273122}" type="datetimeFigureOut">
               <a:rPr lang="ko-KR" altLang="en-US" smtClean="0"/>
-              <a:t>2023-05-25</a:t>
+              <a:t>2023-05-30</a:t>
             </a:fld>
             <a:endParaRPr lang="ko-KR" altLang="en-US"/>
           </a:p>
@@ -1810,7 +1817,7 @@
           <a:p>
             <a:fld id="{CC676292-E4C0-47B9-A761-4E2603273122}" type="datetimeFigureOut">
               <a:rPr lang="ko-KR" altLang="en-US" smtClean="0"/>
-              <a:t>2023-05-25</a:t>
+              <a:t>2023-05-30</a:t>
             </a:fld>
             <a:endParaRPr lang="ko-KR" altLang="en-US"/>
           </a:p>
@@ -1951,7 +1958,7 @@
           <a:p>
             <a:fld id="{CC676292-E4C0-47B9-A761-4E2603273122}" type="datetimeFigureOut">
               <a:rPr lang="ko-KR" altLang="en-US" smtClean="0"/>
-              <a:t>2023-05-25</a:t>
+              <a:t>2023-05-30</a:t>
             </a:fld>
             <a:endParaRPr lang="ko-KR" altLang="en-US"/>
           </a:p>
@@ -2064,7 +2071,7 @@
           <a:p>
             <a:fld id="{CC676292-E4C0-47B9-A761-4E2603273122}" type="datetimeFigureOut">
               <a:rPr lang="ko-KR" altLang="en-US" smtClean="0"/>
-              <a:t>2023-05-25</a:t>
+              <a:t>2023-05-30</a:t>
             </a:fld>
             <a:endParaRPr lang="ko-KR" altLang="en-US"/>
           </a:p>
@@ -2375,7 +2382,7 @@
           <a:p>
             <a:fld id="{CC676292-E4C0-47B9-A761-4E2603273122}" type="datetimeFigureOut">
               <a:rPr lang="ko-KR" altLang="en-US" smtClean="0"/>
-              <a:t>2023-05-25</a:t>
+              <a:t>2023-05-30</a:t>
             </a:fld>
             <a:endParaRPr lang="ko-KR" altLang="en-US"/>
           </a:p>
@@ -2663,7 +2670,7 @@
           <a:p>
             <a:fld id="{CC676292-E4C0-47B9-A761-4E2603273122}" type="datetimeFigureOut">
               <a:rPr lang="ko-KR" altLang="en-US" smtClean="0"/>
-              <a:t>2023-05-25</a:t>
+              <a:t>2023-05-30</a:t>
             </a:fld>
             <a:endParaRPr lang="ko-KR" altLang="en-US"/>
           </a:p>
@@ -2904,7 +2911,7 @@
           <a:p>
             <a:fld id="{CC676292-E4C0-47B9-A761-4E2603273122}" type="datetimeFigureOut">
               <a:rPr lang="ko-KR" altLang="en-US" smtClean="0"/>
-              <a:t>2023-05-25</a:t>
+              <a:t>2023-05-30</a:t>
             </a:fld>
             <a:endParaRPr lang="ko-KR" altLang="en-US"/>
           </a:p>
@@ -3380,7 +3387,7 @@
         <p:spPr>
           <a:xfrm>
             <a:off x="940605" y="1105989"/>
-            <a:ext cx="8374408" cy="1754326"/>
+            <a:ext cx="10043134" cy="1754326"/>
           </a:xfrm>
           <a:prstGeom prst="rect">
             <a:avLst/>
@@ -3466,8 +3473,21 @@
           <a:p>
             <a:r>
               <a:rPr lang="en-US" altLang="ko-KR" dirty="0"/>
-              <a:t>4.</a:t>
-            </a:r>
+              <a:t>4. </a:t>
+            </a:r>
+            <a:r>
+              <a:rPr lang="ko-KR" altLang="en-US" dirty="0"/>
+              <a:t>메이저리그의 각 구단의 상태데이터를 바탕으로 다음 경기의 승리확률</a:t>
+            </a:r>
+            <a:r>
+              <a:rPr lang="en-US" altLang="ko-KR" dirty="0"/>
+              <a:t>/</a:t>
+            </a:r>
+            <a:r>
+              <a:rPr lang="ko-KR" altLang="en-US" dirty="0"/>
+              <a:t>리그우승 확률을 예측</a:t>
+            </a:r>
+            <a:endParaRPr lang="en-US" altLang="ko-KR" dirty="0"/>
           </a:p>
           <a:p>
             <a:r>
@@ -4000,6 +4020,1843 @@
     <p:extLst>
       <p:ext uri="{BB962C8B-B14F-4D97-AF65-F5344CB8AC3E}">
         <p14:creationId xmlns:p14="http://schemas.microsoft.com/office/powerpoint/2010/main" val="1846340996"/>
+      </p:ext>
+    </p:extLst>
+  </p:cSld>
+  <p:clrMapOvr>
+    <a:masterClrMapping/>
+  </p:clrMapOvr>
+</p:sld>
+</file>
+
+<file path=ppt/slides/slide2.xml><?xml version="1.0" encoding="utf-8"?>
+<p:sld xmlns:a="http://schemas.openxmlformats.org/drawingml/2006/main" xmlns:r="http://schemas.openxmlformats.org/officeDocument/2006/relationships" xmlns:p="http://schemas.openxmlformats.org/presentationml/2006/main">
+  <p:cSld>
+    <p:spTree>
+      <p:nvGrpSpPr>
+        <p:cNvPr id="1" name=""/>
+        <p:cNvGrpSpPr/>
+        <p:nvPr/>
+      </p:nvGrpSpPr>
+      <p:grpSpPr>
+        <a:xfrm>
+          <a:off x="0" y="0"/>
+          <a:ext cx="0" cy="0"/>
+          <a:chOff x="0" y="0"/>
+          <a:chExt cx="0" cy="0"/>
+        </a:xfrm>
+      </p:grpSpPr>
+      <p:sp>
+        <p:nvSpPr>
+          <p:cNvPr id="5" name="TextBox 4">
+            <a:extLst>
+              <a:ext uri="{FF2B5EF4-FFF2-40B4-BE49-F238E27FC236}">
+                <a16:creationId xmlns:a16="http://schemas.microsoft.com/office/drawing/2014/main" id="{58377AF8-C07E-2DAD-DBF8-1DA065260775}"/>
+              </a:ext>
+            </a:extLst>
+          </p:cNvPr>
+          <p:cNvSpPr txBox="1"/>
+          <p:nvPr/>
+        </p:nvSpPr>
+        <p:spPr>
+          <a:xfrm>
+            <a:off x="1036320" y="801189"/>
+            <a:ext cx="1561646" cy="369332"/>
+          </a:xfrm>
+          <a:prstGeom prst="rect">
+            <a:avLst/>
+          </a:prstGeom>
+          <a:noFill/>
+        </p:spPr>
+        <p:txBody>
+          <a:bodyPr wrap="none" rtlCol="0">
+            <a:spAutoFit/>
+          </a:bodyPr>
+          <a:lstStyle/>
+          <a:p>
+            <a:r>
+              <a:rPr lang="en-US" altLang="ko-KR" dirty="0"/>
+              <a:t>[</a:t>
+            </a:r>
+            <a:r>
+              <a:rPr lang="ko-KR" altLang="en-US" dirty="0"/>
+              <a:t>필요 데이터</a:t>
+            </a:r>
+            <a:r>
+              <a:rPr lang="en-US" altLang="ko-KR" dirty="0"/>
+              <a:t>]</a:t>
+            </a:r>
+            <a:endParaRPr lang="ko-KR" altLang="en-US" dirty="0"/>
+          </a:p>
+        </p:txBody>
+      </p:sp>
+      <p:graphicFrame>
+        <p:nvGraphicFramePr>
+          <p:cNvPr id="7" name="표 9">
+            <a:extLst>
+              <a:ext uri="{FF2B5EF4-FFF2-40B4-BE49-F238E27FC236}">
+                <a16:creationId xmlns:a16="http://schemas.microsoft.com/office/drawing/2014/main" id="{B4A430BC-D12E-B914-DB38-3403A6DAE514}"/>
+              </a:ext>
+            </a:extLst>
+          </p:cNvPr>
+          <p:cNvGraphicFramePr>
+            <a:graphicFrameLocks noGrp="1"/>
+          </p:cNvGraphicFramePr>
+          <p:nvPr>
+            <p:extLst>
+              <p:ext uri="{D42A27DB-BD31-4B8C-83A1-F6EECF244321}">
+                <p14:modId xmlns:p14="http://schemas.microsoft.com/office/powerpoint/2010/main" val="753731970"/>
+              </p:ext>
+            </p:extLst>
+          </p:nvPr>
+        </p:nvGraphicFramePr>
+        <p:xfrm>
+          <a:off x="1036322" y="1759131"/>
+          <a:ext cx="4641669" cy="2098768"/>
+        </p:xfrm>
+        <a:graphic>
+          <a:graphicData uri="http://schemas.openxmlformats.org/drawingml/2006/table">
+            <a:tbl>
+              <a:tblPr firstRow="1" bandRow="1">
+                <a:tableStyleId>{5C22544A-7EE6-4342-B048-85BDC9FD1C3A}</a:tableStyleId>
+              </a:tblPr>
+              <a:tblGrid>
+                <a:gridCol w="1547223">
+                  <a:extLst>
+                    <a:ext uri="{9D8B030D-6E8A-4147-A177-3AD203B41FA5}">
+                      <a16:colId xmlns:a16="http://schemas.microsoft.com/office/drawing/2014/main" val="2866882721"/>
+                    </a:ext>
+                  </a:extLst>
+                </a:gridCol>
+                <a:gridCol w="1547223">
+                  <a:extLst>
+                    <a:ext uri="{9D8B030D-6E8A-4147-A177-3AD203B41FA5}">
+                      <a16:colId xmlns:a16="http://schemas.microsoft.com/office/drawing/2014/main" val="3721905448"/>
+                    </a:ext>
+                  </a:extLst>
+                </a:gridCol>
+                <a:gridCol w="1547223">
+                  <a:extLst>
+                    <a:ext uri="{9D8B030D-6E8A-4147-A177-3AD203B41FA5}">
+                      <a16:colId xmlns:a16="http://schemas.microsoft.com/office/drawing/2014/main" val="1174549698"/>
+                    </a:ext>
+                  </a:extLst>
+                </a:gridCol>
+              </a:tblGrid>
+              <a:tr h="299824">
+                <a:tc>
+                  <a:txBody>
+                    <a:bodyPr/>
+                    <a:lstStyle/>
+                    <a:p>
+                      <a:pPr algn="ctr" latinLnBrk="1"/>
+                      <a:r>
+                        <a:rPr lang="ko-KR" altLang="en-US" sz="1200" dirty="0"/>
+                        <a:t>항목</a:t>
+                      </a:r>
+                    </a:p>
+                  </a:txBody>
+                  <a:tcPr anchor="ctr"/>
+                </a:tc>
+                <a:tc>
+                  <a:txBody>
+                    <a:bodyPr/>
+                    <a:lstStyle/>
+                    <a:p>
+                      <a:pPr algn="ctr" latinLnBrk="1"/>
+                      <a:r>
+                        <a:rPr lang="ko-KR" altLang="en-US" sz="1200" dirty="0"/>
+                        <a:t>항목</a:t>
+                      </a:r>
+                    </a:p>
+                  </a:txBody>
+                  <a:tcPr anchor="ctr"/>
+                </a:tc>
+                <a:tc>
+                  <a:txBody>
+                    <a:bodyPr/>
+                    <a:lstStyle/>
+                    <a:p>
+                      <a:pPr algn="ctr" latinLnBrk="1"/>
+                      <a:endParaRPr lang="ko-KR" altLang="en-US" sz="1200" dirty="0"/>
+                    </a:p>
+                  </a:txBody>
+                  <a:tcPr anchor="ctr"/>
+                </a:tc>
+                <a:extLst>
+                  <a:ext uri="{0D108BD9-81ED-4DB2-BD59-A6C34878D82A}">
+                    <a16:rowId xmlns:a16="http://schemas.microsoft.com/office/drawing/2014/main" val="3654045090"/>
+                  </a:ext>
+                </a:extLst>
+              </a:tr>
+              <a:tr h="299824">
+                <a:tc>
+                  <a:txBody>
+                    <a:bodyPr/>
+                    <a:lstStyle/>
+                    <a:p>
+                      <a:pPr algn="ctr" latinLnBrk="1"/>
+                      <a:r>
+                        <a:rPr lang="ko-KR" altLang="en-US" sz="1050" dirty="0"/>
+                        <a:t>키</a:t>
+                      </a:r>
+                    </a:p>
+                  </a:txBody>
+                  <a:tcPr anchor="ctr"/>
+                </a:tc>
+                <a:tc>
+                  <a:txBody>
+                    <a:bodyPr/>
+                    <a:lstStyle/>
+                    <a:p>
+                      <a:pPr algn="ctr" latinLnBrk="1"/>
+                      <a:r>
+                        <a:rPr lang="en-US" altLang="ko-KR" sz="1050" dirty="0"/>
+                        <a:t>OPS</a:t>
+                      </a:r>
+                      <a:endParaRPr lang="ko-KR" altLang="en-US" sz="1050" dirty="0"/>
+                    </a:p>
+                  </a:txBody>
+                  <a:tcPr anchor="ctr"/>
+                </a:tc>
+                <a:tc>
+                  <a:txBody>
+                    <a:bodyPr/>
+                    <a:lstStyle/>
+                    <a:p>
+                      <a:pPr algn="ctr" latinLnBrk="1"/>
+                      <a:r>
+                        <a:rPr lang="ko-KR" altLang="en-US" sz="1050" dirty="0"/>
+                        <a:t>나이</a:t>
+                      </a:r>
+                    </a:p>
+                  </a:txBody>
+                  <a:tcPr anchor="ctr"/>
+                </a:tc>
+                <a:extLst>
+                  <a:ext uri="{0D108BD9-81ED-4DB2-BD59-A6C34878D82A}">
+                    <a16:rowId xmlns:a16="http://schemas.microsoft.com/office/drawing/2014/main" val="383775560"/>
+                  </a:ext>
+                </a:extLst>
+              </a:tr>
+              <a:tr h="299824">
+                <a:tc>
+                  <a:txBody>
+                    <a:bodyPr/>
+                    <a:lstStyle/>
+                    <a:p>
+                      <a:pPr marL="0" indent="0" algn="ctr" latinLnBrk="1">
+                        <a:buNone/>
+                      </a:pPr>
+                      <a:r>
+                        <a:rPr lang="ko-KR" altLang="en-US" sz="1050" dirty="0"/>
+                        <a:t>몸무게</a:t>
+                      </a:r>
+                    </a:p>
+                  </a:txBody>
+                  <a:tcPr anchor="ctr"/>
+                </a:tc>
+                <a:tc>
+                  <a:txBody>
+                    <a:bodyPr/>
+                    <a:lstStyle/>
+                    <a:p>
+                      <a:pPr algn="ctr" latinLnBrk="1"/>
+                      <a:r>
+                        <a:rPr lang="ko-KR" altLang="en-US" sz="1050" dirty="0"/>
+                        <a:t>타점</a:t>
+                      </a:r>
+                    </a:p>
+                  </a:txBody>
+                  <a:tcPr anchor="ctr"/>
+                </a:tc>
+                <a:tc>
+                  <a:txBody>
+                    <a:bodyPr/>
+                    <a:lstStyle/>
+                    <a:p>
+                      <a:pPr algn="ctr" latinLnBrk="1"/>
+                      <a:endParaRPr lang="ko-KR" altLang="en-US" sz="1050" dirty="0"/>
+                    </a:p>
+                  </a:txBody>
+                  <a:tcPr anchor="ctr"/>
+                </a:tc>
+                <a:extLst>
+                  <a:ext uri="{0D108BD9-81ED-4DB2-BD59-A6C34878D82A}">
+                    <a16:rowId xmlns:a16="http://schemas.microsoft.com/office/drawing/2014/main" val="2288147001"/>
+                  </a:ext>
+                </a:extLst>
+              </a:tr>
+              <a:tr h="299824">
+                <a:tc>
+                  <a:txBody>
+                    <a:bodyPr/>
+                    <a:lstStyle/>
+                    <a:p>
+                      <a:pPr marL="0" indent="0" algn="ctr" latinLnBrk="1">
+                        <a:buNone/>
+                      </a:pPr>
+                      <a:r>
+                        <a:rPr lang="ko-KR" altLang="en-US" sz="1050" dirty="0"/>
+                        <a:t>좌</a:t>
+                      </a:r>
+                      <a:r>
+                        <a:rPr lang="en-US" altLang="ko-KR" sz="1050" dirty="0"/>
+                        <a:t>/</a:t>
+                      </a:r>
+                      <a:r>
+                        <a:rPr lang="ko-KR" altLang="en-US" sz="1050" dirty="0"/>
+                        <a:t>우</a:t>
+                      </a:r>
+                      <a:endParaRPr lang="en-US" altLang="ko-KR" sz="1050" dirty="0"/>
+                    </a:p>
+                  </a:txBody>
+                  <a:tcPr anchor="ctr"/>
+                </a:tc>
+                <a:tc>
+                  <a:txBody>
+                    <a:bodyPr/>
+                    <a:lstStyle/>
+                    <a:p>
+                      <a:pPr algn="ctr" latinLnBrk="1"/>
+                      <a:r>
+                        <a:rPr lang="en-US" altLang="ko-KR" sz="1050" dirty="0"/>
+                        <a:t>WAR</a:t>
+                      </a:r>
+                    </a:p>
+                  </a:txBody>
+                  <a:tcPr anchor="ctr"/>
+                </a:tc>
+                <a:tc>
+                  <a:txBody>
+                    <a:bodyPr/>
+                    <a:lstStyle/>
+                    <a:p>
+                      <a:pPr algn="ctr" latinLnBrk="1"/>
+                      <a:endParaRPr lang="ko-KR" altLang="en-US" sz="1050" dirty="0"/>
+                    </a:p>
+                  </a:txBody>
+                  <a:tcPr anchor="ctr"/>
+                </a:tc>
+                <a:extLst>
+                  <a:ext uri="{0D108BD9-81ED-4DB2-BD59-A6C34878D82A}">
+                    <a16:rowId xmlns:a16="http://schemas.microsoft.com/office/drawing/2014/main" val="3530316022"/>
+                  </a:ext>
+                </a:extLst>
+              </a:tr>
+              <a:tr h="299824">
+                <a:tc>
+                  <a:txBody>
+                    <a:bodyPr/>
+                    <a:lstStyle/>
+                    <a:p>
+                      <a:pPr algn="ctr" latinLnBrk="1"/>
+                      <a:r>
+                        <a:rPr lang="ko-KR" altLang="en-US" sz="1050" dirty="0"/>
+                        <a:t>타율</a:t>
+                      </a:r>
+                    </a:p>
+                  </a:txBody>
+                  <a:tcPr anchor="ctr"/>
+                </a:tc>
+                <a:tc>
+                  <a:txBody>
+                    <a:bodyPr/>
+                    <a:lstStyle/>
+                    <a:p>
+                      <a:pPr algn="ctr" latinLnBrk="1"/>
+                      <a:r>
+                        <a:rPr lang="ko-KR" altLang="en-US" sz="1050" dirty="0"/>
+                        <a:t>홈런</a:t>
+                      </a:r>
+                    </a:p>
+                  </a:txBody>
+                  <a:tcPr anchor="ctr"/>
+                </a:tc>
+                <a:tc>
+                  <a:txBody>
+                    <a:bodyPr/>
+                    <a:lstStyle/>
+                    <a:p>
+                      <a:pPr algn="ctr" latinLnBrk="1"/>
+                      <a:endParaRPr lang="ko-KR" altLang="en-US" sz="1050" dirty="0"/>
+                    </a:p>
+                  </a:txBody>
+                  <a:tcPr anchor="ctr"/>
+                </a:tc>
+                <a:extLst>
+                  <a:ext uri="{0D108BD9-81ED-4DB2-BD59-A6C34878D82A}">
+                    <a16:rowId xmlns:a16="http://schemas.microsoft.com/office/drawing/2014/main" val="1218144594"/>
+                  </a:ext>
+                </a:extLst>
+              </a:tr>
+              <a:tr h="299824">
+                <a:tc>
+                  <a:txBody>
+                    <a:bodyPr/>
+                    <a:lstStyle/>
+                    <a:p>
+                      <a:pPr algn="ctr" latinLnBrk="1"/>
+                      <a:r>
+                        <a:rPr lang="ko-KR" altLang="en-US" sz="1050" dirty="0" err="1"/>
+                        <a:t>출루율</a:t>
+                      </a:r>
+                      <a:endParaRPr lang="ko-KR" altLang="en-US" sz="1050" dirty="0"/>
+                    </a:p>
+                  </a:txBody>
+                  <a:tcPr anchor="ctr"/>
+                </a:tc>
+                <a:tc>
+                  <a:txBody>
+                    <a:bodyPr/>
+                    <a:lstStyle/>
+                    <a:p>
+                      <a:pPr algn="ctr" latinLnBrk="1"/>
+                      <a:r>
+                        <a:rPr lang="ko-KR" altLang="en-US" sz="1050" dirty="0"/>
+                        <a:t>도루</a:t>
+                      </a:r>
+                    </a:p>
+                  </a:txBody>
+                  <a:tcPr anchor="ctr"/>
+                </a:tc>
+                <a:tc>
+                  <a:txBody>
+                    <a:bodyPr/>
+                    <a:lstStyle/>
+                    <a:p>
+                      <a:pPr algn="ctr" latinLnBrk="1"/>
+                      <a:endParaRPr lang="ko-KR" altLang="en-US" sz="1050" dirty="0"/>
+                    </a:p>
+                  </a:txBody>
+                  <a:tcPr anchor="ctr"/>
+                </a:tc>
+                <a:extLst>
+                  <a:ext uri="{0D108BD9-81ED-4DB2-BD59-A6C34878D82A}">
+                    <a16:rowId xmlns:a16="http://schemas.microsoft.com/office/drawing/2014/main" val="1262212873"/>
+                  </a:ext>
+                </a:extLst>
+              </a:tr>
+              <a:tr h="299824">
+                <a:tc>
+                  <a:txBody>
+                    <a:bodyPr/>
+                    <a:lstStyle/>
+                    <a:p>
+                      <a:pPr algn="ctr" latinLnBrk="1"/>
+                      <a:r>
+                        <a:rPr lang="ko-KR" altLang="en-US" sz="1050" dirty="0" err="1"/>
+                        <a:t>장타율</a:t>
+                      </a:r>
+                      <a:endParaRPr lang="ko-KR" altLang="en-US" sz="1050" dirty="0"/>
+                    </a:p>
+                  </a:txBody>
+                  <a:tcPr anchor="ctr"/>
+                </a:tc>
+                <a:tc>
+                  <a:txBody>
+                    <a:bodyPr/>
+                    <a:lstStyle/>
+                    <a:p>
+                      <a:pPr algn="ctr" latinLnBrk="1"/>
+                      <a:r>
+                        <a:rPr lang="ko-KR" altLang="en-US" sz="1050" dirty="0"/>
+                        <a:t>연봉</a:t>
+                      </a:r>
+                    </a:p>
+                  </a:txBody>
+                  <a:tcPr anchor="ctr"/>
+                </a:tc>
+                <a:tc>
+                  <a:txBody>
+                    <a:bodyPr/>
+                    <a:lstStyle/>
+                    <a:p>
+                      <a:pPr algn="ctr" latinLnBrk="1"/>
+                      <a:endParaRPr lang="ko-KR" altLang="en-US" sz="1050" dirty="0"/>
+                    </a:p>
+                  </a:txBody>
+                  <a:tcPr anchor="ctr"/>
+                </a:tc>
+                <a:extLst>
+                  <a:ext uri="{0D108BD9-81ED-4DB2-BD59-A6C34878D82A}">
+                    <a16:rowId xmlns:a16="http://schemas.microsoft.com/office/drawing/2014/main" val="3496460499"/>
+                  </a:ext>
+                </a:extLst>
+              </a:tr>
+            </a:tbl>
+          </a:graphicData>
+        </a:graphic>
+      </p:graphicFrame>
+      <p:sp>
+        <p:nvSpPr>
+          <p:cNvPr id="8" name="TextBox 7">
+            <a:extLst>
+              <a:ext uri="{FF2B5EF4-FFF2-40B4-BE49-F238E27FC236}">
+                <a16:creationId xmlns:a16="http://schemas.microsoft.com/office/drawing/2014/main" id="{983FD188-01A0-4179-F902-F115E5AFB9AB}"/>
+              </a:ext>
+            </a:extLst>
+          </p:cNvPr>
+          <p:cNvSpPr txBox="1"/>
+          <p:nvPr/>
+        </p:nvSpPr>
+        <p:spPr>
+          <a:xfrm>
+            <a:off x="1036320" y="1280160"/>
+            <a:ext cx="1356718" cy="369332"/>
+          </a:xfrm>
+          <a:prstGeom prst="rect">
+            <a:avLst/>
+          </a:prstGeom>
+          <a:noFill/>
+        </p:spPr>
+        <p:txBody>
+          <a:bodyPr wrap="none" rtlCol="0">
+            <a:spAutoFit/>
+          </a:bodyPr>
+          <a:lstStyle/>
+          <a:p>
+            <a:r>
+              <a:rPr lang="en-US" altLang="ko-KR" dirty="0"/>
+              <a:t>[</a:t>
+            </a:r>
+            <a:r>
+              <a:rPr lang="ko-KR" altLang="en-US" dirty="0"/>
+              <a:t>타자 </a:t>
+            </a:r>
+            <a:r>
+              <a:rPr lang="en-US" altLang="ko-KR" dirty="0"/>
+              <a:t>STAT]</a:t>
+            </a:r>
+            <a:endParaRPr lang="ko-KR" altLang="en-US" dirty="0"/>
+          </a:p>
+        </p:txBody>
+      </p:sp>
+      <p:graphicFrame>
+        <p:nvGraphicFramePr>
+          <p:cNvPr id="9" name="표 9">
+            <a:extLst>
+              <a:ext uri="{FF2B5EF4-FFF2-40B4-BE49-F238E27FC236}">
+                <a16:creationId xmlns:a16="http://schemas.microsoft.com/office/drawing/2014/main" id="{CC9D557F-7D25-267F-C724-49E70D63912A}"/>
+              </a:ext>
+            </a:extLst>
+          </p:cNvPr>
+          <p:cNvGraphicFramePr>
+            <a:graphicFrameLocks noGrp="1"/>
+          </p:cNvGraphicFramePr>
+          <p:nvPr>
+            <p:extLst>
+              <p:ext uri="{D42A27DB-BD31-4B8C-83A1-F6EECF244321}">
+                <p14:modId xmlns:p14="http://schemas.microsoft.com/office/powerpoint/2010/main" val="2748904582"/>
+              </p:ext>
+            </p:extLst>
+          </p:nvPr>
+        </p:nvGraphicFramePr>
+        <p:xfrm>
+          <a:off x="1036321" y="4467498"/>
+          <a:ext cx="4641669" cy="2098768"/>
+        </p:xfrm>
+        <a:graphic>
+          <a:graphicData uri="http://schemas.openxmlformats.org/drawingml/2006/table">
+            <a:tbl>
+              <a:tblPr firstRow="1" bandRow="1">
+                <a:tableStyleId>{5C22544A-7EE6-4342-B048-85BDC9FD1C3A}</a:tableStyleId>
+              </a:tblPr>
+              <a:tblGrid>
+                <a:gridCol w="1547223">
+                  <a:extLst>
+                    <a:ext uri="{9D8B030D-6E8A-4147-A177-3AD203B41FA5}">
+                      <a16:colId xmlns:a16="http://schemas.microsoft.com/office/drawing/2014/main" val="2866882721"/>
+                    </a:ext>
+                  </a:extLst>
+                </a:gridCol>
+                <a:gridCol w="1547223">
+                  <a:extLst>
+                    <a:ext uri="{9D8B030D-6E8A-4147-A177-3AD203B41FA5}">
+                      <a16:colId xmlns:a16="http://schemas.microsoft.com/office/drawing/2014/main" val="3721905448"/>
+                    </a:ext>
+                  </a:extLst>
+                </a:gridCol>
+                <a:gridCol w="1547223">
+                  <a:extLst>
+                    <a:ext uri="{9D8B030D-6E8A-4147-A177-3AD203B41FA5}">
+                      <a16:colId xmlns:a16="http://schemas.microsoft.com/office/drawing/2014/main" val="1174549698"/>
+                    </a:ext>
+                  </a:extLst>
+                </a:gridCol>
+              </a:tblGrid>
+              <a:tr h="299824">
+                <a:tc>
+                  <a:txBody>
+                    <a:bodyPr/>
+                    <a:lstStyle/>
+                    <a:p>
+                      <a:pPr algn="ctr" latinLnBrk="1"/>
+                      <a:r>
+                        <a:rPr lang="ko-KR" altLang="en-US" sz="1200" dirty="0"/>
+                        <a:t>항목</a:t>
+                      </a:r>
+                    </a:p>
+                  </a:txBody>
+                  <a:tcPr anchor="ctr"/>
+                </a:tc>
+                <a:tc>
+                  <a:txBody>
+                    <a:bodyPr/>
+                    <a:lstStyle/>
+                    <a:p>
+                      <a:pPr algn="ctr" latinLnBrk="1"/>
+                      <a:r>
+                        <a:rPr lang="ko-KR" altLang="en-US" sz="1200" dirty="0"/>
+                        <a:t>항목</a:t>
+                      </a:r>
+                    </a:p>
+                  </a:txBody>
+                  <a:tcPr anchor="ctr"/>
+                </a:tc>
+                <a:tc>
+                  <a:txBody>
+                    <a:bodyPr/>
+                    <a:lstStyle/>
+                    <a:p>
+                      <a:pPr algn="ctr" latinLnBrk="1"/>
+                      <a:endParaRPr lang="ko-KR" altLang="en-US" sz="1200" dirty="0"/>
+                    </a:p>
+                  </a:txBody>
+                  <a:tcPr anchor="ctr"/>
+                </a:tc>
+                <a:extLst>
+                  <a:ext uri="{0D108BD9-81ED-4DB2-BD59-A6C34878D82A}">
+                    <a16:rowId xmlns:a16="http://schemas.microsoft.com/office/drawing/2014/main" val="3654045090"/>
+                  </a:ext>
+                </a:extLst>
+              </a:tr>
+              <a:tr h="299824">
+                <a:tc>
+                  <a:txBody>
+                    <a:bodyPr/>
+                    <a:lstStyle/>
+                    <a:p>
+                      <a:pPr algn="ctr" latinLnBrk="1"/>
+                      <a:r>
+                        <a:rPr lang="ko-KR" altLang="en-US" sz="1050" dirty="0" err="1"/>
+                        <a:t>총연봉</a:t>
+                      </a:r>
+                      <a:endParaRPr lang="ko-KR" altLang="en-US" sz="1050" dirty="0"/>
+                    </a:p>
+                  </a:txBody>
+                  <a:tcPr anchor="ctr"/>
+                </a:tc>
+                <a:tc>
+                  <a:txBody>
+                    <a:bodyPr/>
+                    <a:lstStyle/>
+                    <a:p>
+                      <a:pPr algn="ctr" latinLnBrk="1"/>
+                      <a:r>
+                        <a:rPr lang="ko-KR" altLang="en-US" sz="1050" dirty="0"/>
+                        <a:t>현재 순위</a:t>
+                      </a:r>
+                    </a:p>
+                  </a:txBody>
+                  <a:tcPr anchor="ctr"/>
+                </a:tc>
+                <a:tc>
+                  <a:txBody>
+                    <a:bodyPr/>
+                    <a:lstStyle/>
+                    <a:p>
+                      <a:pPr algn="ctr" latinLnBrk="1"/>
+                      <a:endParaRPr lang="ko-KR" altLang="en-US" sz="1050" dirty="0"/>
+                    </a:p>
+                  </a:txBody>
+                  <a:tcPr anchor="ctr"/>
+                </a:tc>
+                <a:extLst>
+                  <a:ext uri="{0D108BD9-81ED-4DB2-BD59-A6C34878D82A}">
+                    <a16:rowId xmlns:a16="http://schemas.microsoft.com/office/drawing/2014/main" val="383775560"/>
+                  </a:ext>
+                </a:extLst>
+              </a:tr>
+              <a:tr h="299824">
+                <a:tc>
+                  <a:txBody>
+                    <a:bodyPr/>
+                    <a:lstStyle/>
+                    <a:p>
+                      <a:pPr marL="0" indent="0" algn="ctr" latinLnBrk="1">
+                        <a:buNone/>
+                      </a:pPr>
+                      <a:r>
+                        <a:rPr lang="ko-KR" altLang="en-US" sz="1050" dirty="0" err="1"/>
+                        <a:t>연봉외</a:t>
+                      </a:r>
+                      <a:r>
+                        <a:rPr lang="ko-KR" altLang="en-US" sz="1050" dirty="0"/>
+                        <a:t> 투자비용</a:t>
+                      </a:r>
+                    </a:p>
+                  </a:txBody>
+                  <a:tcPr anchor="ctr"/>
+                </a:tc>
+                <a:tc>
+                  <a:txBody>
+                    <a:bodyPr/>
+                    <a:lstStyle/>
+                    <a:p>
+                      <a:pPr algn="ctr" latinLnBrk="1"/>
+                      <a:r>
+                        <a:rPr lang="en-US" altLang="ko-KR" sz="1050" dirty="0"/>
+                        <a:t>2</a:t>
+                      </a:r>
+                      <a:r>
+                        <a:rPr lang="ko-KR" altLang="en-US" sz="1050" dirty="0"/>
+                        <a:t>군 선수규모</a:t>
+                      </a:r>
+                      <a:endParaRPr lang="en-US" altLang="ko-KR" sz="1050" dirty="0"/>
+                    </a:p>
+                  </a:txBody>
+                  <a:tcPr anchor="ctr"/>
+                </a:tc>
+                <a:tc>
+                  <a:txBody>
+                    <a:bodyPr/>
+                    <a:lstStyle/>
+                    <a:p>
+                      <a:pPr algn="ctr" latinLnBrk="1"/>
+                      <a:endParaRPr lang="ko-KR" altLang="en-US" sz="1050" dirty="0"/>
+                    </a:p>
+                  </a:txBody>
+                  <a:tcPr anchor="ctr"/>
+                </a:tc>
+                <a:extLst>
+                  <a:ext uri="{0D108BD9-81ED-4DB2-BD59-A6C34878D82A}">
+                    <a16:rowId xmlns:a16="http://schemas.microsoft.com/office/drawing/2014/main" val="2288147001"/>
+                  </a:ext>
+                </a:extLst>
+              </a:tr>
+              <a:tr h="299824">
+                <a:tc>
+                  <a:txBody>
+                    <a:bodyPr/>
+                    <a:lstStyle/>
+                    <a:p>
+                      <a:pPr marL="0" indent="0" algn="ctr" latinLnBrk="1">
+                        <a:buNone/>
+                      </a:pPr>
+                      <a:r>
+                        <a:rPr lang="ko-KR" altLang="en-US" sz="1050" dirty="0"/>
+                        <a:t>홈구장 승률</a:t>
+                      </a:r>
+                      <a:endParaRPr lang="en-US" altLang="ko-KR" sz="1050" dirty="0"/>
+                    </a:p>
+                  </a:txBody>
+                  <a:tcPr anchor="ctr"/>
+                </a:tc>
+                <a:tc>
+                  <a:txBody>
+                    <a:bodyPr/>
+                    <a:lstStyle/>
+                    <a:p>
+                      <a:pPr algn="ctr" latinLnBrk="1"/>
+                      <a:r>
+                        <a:rPr lang="en-US" altLang="ko-KR" sz="1050" dirty="0"/>
+                        <a:t>2</a:t>
+                      </a:r>
+                      <a:r>
+                        <a:rPr lang="ko-KR" altLang="en-US" sz="1050" dirty="0"/>
+                        <a:t>군 운영예산</a:t>
+                      </a:r>
+                      <a:endParaRPr lang="en-US" altLang="ko-KR" sz="1050" dirty="0"/>
+                    </a:p>
+                  </a:txBody>
+                  <a:tcPr anchor="ctr"/>
+                </a:tc>
+                <a:tc>
+                  <a:txBody>
+                    <a:bodyPr/>
+                    <a:lstStyle/>
+                    <a:p>
+                      <a:pPr algn="ctr" latinLnBrk="1"/>
+                      <a:endParaRPr lang="ko-KR" altLang="en-US" sz="1050" dirty="0"/>
+                    </a:p>
+                  </a:txBody>
+                  <a:tcPr anchor="ctr"/>
+                </a:tc>
+                <a:extLst>
+                  <a:ext uri="{0D108BD9-81ED-4DB2-BD59-A6C34878D82A}">
+                    <a16:rowId xmlns:a16="http://schemas.microsoft.com/office/drawing/2014/main" val="3530316022"/>
+                  </a:ext>
+                </a:extLst>
+              </a:tr>
+              <a:tr h="299824">
+                <a:tc>
+                  <a:txBody>
+                    <a:bodyPr/>
+                    <a:lstStyle/>
+                    <a:p>
+                      <a:pPr algn="ctr" latinLnBrk="1"/>
+                      <a:r>
+                        <a:rPr lang="ko-KR" altLang="en-US" sz="1050" dirty="0"/>
+                        <a:t>전지훈련일수</a:t>
+                      </a:r>
+                      <a:r>
+                        <a:rPr lang="en-US" altLang="ko-KR" sz="1050" dirty="0"/>
+                        <a:t>/</a:t>
+                      </a:r>
+                      <a:r>
+                        <a:rPr lang="ko-KR" altLang="en-US" sz="1050" dirty="0"/>
+                        <a:t>비용</a:t>
+                      </a:r>
+                    </a:p>
+                  </a:txBody>
+                  <a:tcPr anchor="ctr"/>
+                </a:tc>
+                <a:tc>
+                  <a:txBody>
+                    <a:bodyPr/>
+                    <a:lstStyle/>
+                    <a:p>
+                      <a:pPr algn="ctr" latinLnBrk="1"/>
+                      <a:r>
+                        <a:rPr lang="ko-KR" altLang="en-US" sz="1050" dirty="0" err="1"/>
+                        <a:t>코치진</a:t>
+                      </a:r>
+                      <a:r>
+                        <a:rPr lang="ko-KR" altLang="en-US" sz="1050" dirty="0"/>
+                        <a:t> 연봉</a:t>
+                      </a:r>
+                      <a:r>
+                        <a:rPr lang="en-US" altLang="ko-KR" sz="1050" dirty="0"/>
+                        <a:t>/</a:t>
+                      </a:r>
+                      <a:r>
+                        <a:rPr lang="ko-KR" altLang="en-US" sz="1050" dirty="0"/>
+                        <a:t>규모</a:t>
+                      </a:r>
+                    </a:p>
+                  </a:txBody>
+                  <a:tcPr anchor="ctr"/>
+                </a:tc>
+                <a:tc>
+                  <a:txBody>
+                    <a:bodyPr/>
+                    <a:lstStyle/>
+                    <a:p>
+                      <a:pPr algn="ctr" latinLnBrk="1"/>
+                      <a:endParaRPr lang="ko-KR" altLang="en-US" sz="1050" dirty="0"/>
+                    </a:p>
+                  </a:txBody>
+                  <a:tcPr anchor="ctr"/>
+                </a:tc>
+                <a:extLst>
+                  <a:ext uri="{0D108BD9-81ED-4DB2-BD59-A6C34878D82A}">
+                    <a16:rowId xmlns:a16="http://schemas.microsoft.com/office/drawing/2014/main" val="1218144594"/>
+                  </a:ext>
+                </a:extLst>
+              </a:tr>
+              <a:tr h="299824">
+                <a:tc>
+                  <a:txBody>
+                    <a:bodyPr/>
+                    <a:lstStyle/>
+                    <a:p>
+                      <a:pPr algn="ctr" latinLnBrk="1"/>
+                      <a:r>
+                        <a:rPr lang="ko-KR" altLang="en-US" sz="1050" dirty="0" err="1"/>
+                        <a:t>요일별</a:t>
+                      </a:r>
+                      <a:r>
+                        <a:rPr lang="ko-KR" altLang="en-US" sz="1050" dirty="0"/>
+                        <a:t> 승률</a:t>
+                      </a:r>
+                    </a:p>
+                  </a:txBody>
+                  <a:tcPr anchor="ctr"/>
+                </a:tc>
+                <a:tc>
+                  <a:txBody>
+                    <a:bodyPr/>
+                    <a:lstStyle/>
+                    <a:p>
+                      <a:pPr algn="ctr" latinLnBrk="1"/>
+                      <a:endParaRPr lang="ko-KR" altLang="en-US" sz="1050" dirty="0"/>
+                    </a:p>
+                  </a:txBody>
+                  <a:tcPr anchor="ctr"/>
+                </a:tc>
+                <a:tc>
+                  <a:txBody>
+                    <a:bodyPr/>
+                    <a:lstStyle/>
+                    <a:p>
+                      <a:pPr algn="ctr" latinLnBrk="1"/>
+                      <a:endParaRPr lang="ko-KR" altLang="en-US" sz="1050" dirty="0"/>
+                    </a:p>
+                  </a:txBody>
+                  <a:tcPr anchor="ctr"/>
+                </a:tc>
+                <a:extLst>
+                  <a:ext uri="{0D108BD9-81ED-4DB2-BD59-A6C34878D82A}">
+                    <a16:rowId xmlns:a16="http://schemas.microsoft.com/office/drawing/2014/main" val="1262212873"/>
+                  </a:ext>
+                </a:extLst>
+              </a:tr>
+              <a:tr h="299824">
+                <a:tc>
+                  <a:txBody>
+                    <a:bodyPr/>
+                    <a:lstStyle/>
+                    <a:p>
+                      <a:pPr algn="ctr" latinLnBrk="1"/>
+                      <a:endParaRPr lang="ko-KR" altLang="en-US" sz="1050" dirty="0"/>
+                    </a:p>
+                  </a:txBody>
+                  <a:tcPr anchor="ctr"/>
+                </a:tc>
+                <a:tc>
+                  <a:txBody>
+                    <a:bodyPr/>
+                    <a:lstStyle/>
+                    <a:p>
+                      <a:pPr algn="ctr" latinLnBrk="1"/>
+                      <a:endParaRPr lang="ko-KR" altLang="en-US" sz="1050" dirty="0"/>
+                    </a:p>
+                  </a:txBody>
+                  <a:tcPr anchor="ctr"/>
+                </a:tc>
+                <a:tc>
+                  <a:txBody>
+                    <a:bodyPr/>
+                    <a:lstStyle/>
+                    <a:p>
+                      <a:pPr algn="ctr" latinLnBrk="1"/>
+                      <a:endParaRPr lang="ko-KR" altLang="en-US" sz="1050" dirty="0"/>
+                    </a:p>
+                  </a:txBody>
+                  <a:tcPr anchor="ctr"/>
+                </a:tc>
+                <a:extLst>
+                  <a:ext uri="{0D108BD9-81ED-4DB2-BD59-A6C34878D82A}">
+                    <a16:rowId xmlns:a16="http://schemas.microsoft.com/office/drawing/2014/main" val="3496460499"/>
+                  </a:ext>
+                </a:extLst>
+              </a:tr>
+            </a:tbl>
+          </a:graphicData>
+        </a:graphic>
+      </p:graphicFrame>
+      <p:sp>
+        <p:nvSpPr>
+          <p:cNvPr id="10" name="TextBox 9">
+            <a:extLst>
+              <a:ext uri="{FF2B5EF4-FFF2-40B4-BE49-F238E27FC236}">
+                <a16:creationId xmlns:a16="http://schemas.microsoft.com/office/drawing/2014/main" id="{7D2F0F22-D705-A2BF-F793-3BB8039CA6D0}"/>
+              </a:ext>
+            </a:extLst>
+          </p:cNvPr>
+          <p:cNvSpPr txBox="1"/>
+          <p:nvPr/>
+        </p:nvSpPr>
+        <p:spPr>
+          <a:xfrm>
+            <a:off x="1036320" y="3988527"/>
+            <a:ext cx="1356718" cy="369332"/>
+          </a:xfrm>
+          <a:prstGeom prst="rect">
+            <a:avLst/>
+          </a:prstGeom>
+          <a:noFill/>
+        </p:spPr>
+        <p:txBody>
+          <a:bodyPr wrap="none" rtlCol="0">
+            <a:spAutoFit/>
+          </a:bodyPr>
+          <a:lstStyle/>
+          <a:p>
+            <a:r>
+              <a:rPr lang="en-US" altLang="ko-KR" dirty="0"/>
+              <a:t>[</a:t>
+            </a:r>
+            <a:r>
+              <a:rPr lang="ko-KR" altLang="en-US" dirty="0"/>
+              <a:t>구단 </a:t>
+            </a:r>
+            <a:r>
+              <a:rPr lang="en-US" altLang="ko-KR" dirty="0"/>
+              <a:t>STAT]</a:t>
+            </a:r>
+            <a:endParaRPr lang="ko-KR" altLang="en-US" dirty="0"/>
+          </a:p>
+        </p:txBody>
+      </p:sp>
+      <p:graphicFrame>
+        <p:nvGraphicFramePr>
+          <p:cNvPr id="11" name="표 9">
+            <a:extLst>
+              <a:ext uri="{FF2B5EF4-FFF2-40B4-BE49-F238E27FC236}">
+                <a16:creationId xmlns:a16="http://schemas.microsoft.com/office/drawing/2014/main" id="{F35908EF-4E15-B567-AAB9-4FA392A35488}"/>
+              </a:ext>
+            </a:extLst>
+          </p:cNvPr>
+          <p:cNvGraphicFramePr>
+            <a:graphicFrameLocks noGrp="1"/>
+          </p:cNvGraphicFramePr>
+          <p:nvPr>
+            <p:extLst>
+              <p:ext uri="{D42A27DB-BD31-4B8C-83A1-F6EECF244321}">
+                <p14:modId xmlns:p14="http://schemas.microsoft.com/office/powerpoint/2010/main" val="2301400561"/>
+              </p:ext>
+            </p:extLst>
+          </p:nvPr>
+        </p:nvGraphicFramePr>
+        <p:xfrm>
+          <a:off x="6096002" y="1759131"/>
+          <a:ext cx="4641669" cy="2098768"/>
+        </p:xfrm>
+        <a:graphic>
+          <a:graphicData uri="http://schemas.openxmlformats.org/drawingml/2006/table">
+            <a:tbl>
+              <a:tblPr firstRow="1" bandRow="1">
+                <a:tableStyleId>{5C22544A-7EE6-4342-B048-85BDC9FD1C3A}</a:tableStyleId>
+              </a:tblPr>
+              <a:tblGrid>
+                <a:gridCol w="1547223">
+                  <a:extLst>
+                    <a:ext uri="{9D8B030D-6E8A-4147-A177-3AD203B41FA5}">
+                      <a16:colId xmlns:a16="http://schemas.microsoft.com/office/drawing/2014/main" val="2866882721"/>
+                    </a:ext>
+                  </a:extLst>
+                </a:gridCol>
+                <a:gridCol w="1547223">
+                  <a:extLst>
+                    <a:ext uri="{9D8B030D-6E8A-4147-A177-3AD203B41FA5}">
+                      <a16:colId xmlns:a16="http://schemas.microsoft.com/office/drawing/2014/main" val="3721905448"/>
+                    </a:ext>
+                  </a:extLst>
+                </a:gridCol>
+                <a:gridCol w="1547223">
+                  <a:extLst>
+                    <a:ext uri="{9D8B030D-6E8A-4147-A177-3AD203B41FA5}">
+                      <a16:colId xmlns:a16="http://schemas.microsoft.com/office/drawing/2014/main" val="1174549698"/>
+                    </a:ext>
+                  </a:extLst>
+                </a:gridCol>
+              </a:tblGrid>
+              <a:tr h="299824">
+                <a:tc>
+                  <a:txBody>
+                    <a:bodyPr/>
+                    <a:lstStyle/>
+                    <a:p>
+                      <a:pPr algn="ctr" latinLnBrk="1"/>
+                      <a:r>
+                        <a:rPr lang="ko-KR" altLang="en-US" sz="1200" dirty="0"/>
+                        <a:t>항목</a:t>
+                      </a:r>
+                    </a:p>
+                  </a:txBody>
+                  <a:tcPr anchor="ctr"/>
+                </a:tc>
+                <a:tc>
+                  <a:txBody>
+                    <a:bodyPr/>
+                    <a:lstStyle/>
+                    <a:p>
+                      <a:pPr algn="ctr" latinLnBrk="1"/>
+                      <a:r>
+                        <a:rPr lang="ko-KR" altLang="en-US" sz="1200" dirty="0"/>
+                        <a:t>항목</a:t>
+                      </a:r>
+                    </a:p>
+                  </a:txBody>
+                  <a:tcPr anchor="ctr"/>
+                </a:tc>
+                <a:tc>
+                  <a:txBody>
+                    <a:bodyPr/>
+                    <a:lstStyle/>
+                    <a:p>
+                      <a:pPr algn="ctr" latinLnBrk="1"/>
+                      <a:endParaRPr lang="ko-KR" altLang="en-US" sz="1200" dirty="0"/>
+                    </a:p>
+                  </a:txBody>
+                  <a:tcPr anchor="ctr"/>
+                </a:tc>
+                <a:extLst>
+                  <a:ext uri="{0D108BD9-81ED-4DB2-BD59-A6C34878D82A}">
+                    <a16:rowId xmlns:a16="http://schemas.microsoft.com/office/drawing/2014/main" val="3654045090"/>
+                  </a:ext>
+                </a:extLst>
+              </a:tr>
+              <a:tr h="299824">
+                <a:tc>
+                  <a:txBody>
+                    <a:bodyPr/>
+                    <a:lstStyle/>
+                    <a:p>
+                      <a:pPr algn="ctr" latinLnBrk="1"/>
+                      <a:r>
+                        <a:rPr lang="ko-KR" altLang="en-US" sz="1050" dirty="0"/>
+                        <a:t>키</a:t>
+                      </a:r>
+                    </a:p>
+                  </a:txBody>
+                  <a:tcPr anchor="ctr"/>
+                </a:tc>
+                <a:tc>
+                  <a:txBody>
+                    <a:bodyPr/>
+                    <a:lstStyle/>
+                    <a:p>
+                      <a:pPr algn="ctr" latinLnBrk="1"/>
+                      <a:r>
+                        <a:rPr lang="ko-KR" altLang="en-US" sz="1050" dirty="0" err="1"/>
+                        <a:t>피홈런</a:t>
+                      </a:r>
+                      <a:r>
+                        <a:rPr lang="en-US" altLang="ko-KR" sz="1050" dirty="0"/>
+                        <a:t>/9</a:t>
+                      </a:r>
+                    </a:p>
+                  </a:txBody>
+                  <a:tcPr anchor="ctr"/>
+                </a:tc>
+                <a:tc>
+                  <a:txBody>
+                    <a:bodyPr/>
+                    <a:lstStyle/>
+                    <a:p>
+                      <a:pPr algn="ctr" latinLnBrk="1"/>
+                      <a:r>
+                        <a:rPr lang="ko-KR" altLang="en-US" sz="1050" dirty="0"/>
+                        <a:t>나이</a:t>
+                      </a:r>
+                    </a:p>
+                  </a:txBody>
+                  <a:tcPr anchor="ctr"/>
+                </a:tc>
+                <a:extLst>
+                  <a:ext uri="{0D108BD9-81ED-4DB2-BD59-A6C34878D82A}">
+                    <a16:rowId xmlns:a16="http://schemas.microsoft.com/office/drawing/2014/main" val="383775560"/>
+                  </a:ext>
+                </a:extLst>
+              </a:tr>
+              <a:tr h="299824">
+                <a:tc>
+                  <a:txBody>
+                    <a:bodyPr/>
+                    <a:lstStyle/>
+                    <a:p>
+                      <a:pPr marL="0" indent="0" algn="ctr" latinLnBrk="1">
+                        <a:buNone/>
+                      </a:pPr>
+                      <a:r>
+                        <a:rPr lang="ko-KR" altLang="en-US" sz="1050" dirty="0"/>
+                        <a:t>몸무게</a:t>
+                      </a:r>
+                    </a:p>
+                  </a:txBody>
+                  <a:tcPr anchor="ctr"/>
+                </a:tc>
+                <a:tc>
+                  <a:txBody>
+                    <a:bodyPr/>
+                    <a:lstStyle/>
+                    <a:p>
+                      <a:pPr algn="ctr" latinLnBrk="1"/>
+                      <a:r>
+                        <a:rPr lang="en-US" altLang="ko-KR" sz="1050" dirty="0"/>
+                        <a:t>ERA</a:t>
+                      </a:r>
+                      <a:endParaRPr lang="ko-KR" altLang="en-US" sz="1050" dirty="0"/>
+                    </a:p>
+                  </a:txBody>
+                  <a:tcPr anchor="ctr"/>
+                </a:tc>
+                <a:tc>
+                  <a:txBody>
+                    <a:bodyPr/>
+                    <a:lstStyle/>
+                    <a:p>
+                      <a:pPr algn="ctr" latinLnBrk="1"/>
+                      <a:endParaRPr lang="ko-KR" altLang="en-US" sz="1050" dirty="0"/>
+                    </a:p>
+                  </a:txBody>
+                  <a:tcPr anchor="ctr"/>
+                </a:tc>
+                <a:extLst>
+                  <a:ext uri="{0D108BD9-81ED-4DB2-BD59-A6C34878D82A}">
+                    <a16:rowId xmlns:a16="http://schemas.microsoft.com/office/drawing/2014/main" val="2288147001"/>
+                  </a:ext>
+                </a:extLst>
+              </a:tr>
+              <a:tr h="299824">
+                <a:tc>
+                  <a:txBody>
+                    <a:bodyPr/>
+                    <a:lstStyle/>
+                    <a:p>
+                      <a:pPr marL="0" indent="0" algn="ctr" latinLnBrk="1">
+                        <a:buNone/>
+                      </a:pPr>
+                      <a:r>
+                        <a:rPr lang="ko-KR" altLang="en-US" sz="1050" dirty="0"/>
+                        <a:t>좌</a:t>
+                      </a:r>
+                      <a:r>
+                        <a:rPr lang="en-US" altLang="ko-KR" sz="1050" dirty="0"/>
+                        <a:t>/</a:t>
+                      </a:r>
+                      <a:r>
+                        <a:rPr lang="ko-KR" altLang="en-US" sz="1050" dirty="0"/>
+                        <a:t>우</a:t>
+                      </a:r>
+                      <a:endParaRPr lang="en-US" altLang="ko-KR" sz="1050" dirty="0"/>
+                    </a:p>
+                  </a:txBody>
+                  <a:tcPr anchor="ctr"/>
+                </a:tc>
+                <a:tc>
+                  <a:txBody>
+                    <a:bodyPr/>
+                    <a:lstStyle/>
+                    <a:p>
+                      <a:pPr algn="ctr" latinLnBrk="1"/>
+                      <a:r>
+                        <a:rPr lang="en-US" altLang="ko-KR" sz="1050" dirty="0"/>
+                        <a:t>WAR</a:t>
+                      </a:r>
+                    </a:p>
+                  </a:txBody>
+                  <a:tcPr anchor="ctr"/>
+                </a:tc>
+                <a:tc>
+                  <a:txBody>
+                    <a:bodyPr/>
+                    <a:lstStyle/>
+                    <a:p>
+                      <a:pPr algn="ctr" latinLnBrk="1"/>
+                      <a:endParaRPr lang="ko-KR" altLang="en-US" sz="1050" dirty="0"/>
+                    </a:p>
+                  </a:txBody>
+                  <a:tcPr anchor="ctr"/>
+                </a:tc>
+                <a:extLst>
+                  <a:ext uri="{0D108BD9-81ED-4DB2-BD59-A6C34878D82A}">
+                    <a16:rowId xmlns:a16="http://schemas.microsoft.com/office/drawing/2014/main" val="3530316022"/>
+                  </a:ext>
+                </a:extLst>
+              </a:tr>
+              <a:tr h="299824">
+                <a:tc>
+                  <a:txBody>
+                    <a:bodyPr/>
+                    <a:lstStyle/>
+                    <a:p>
+                      <a:pPr algn="ctr" latinLnBrk="1"/>
+                      <a:r>
+                        <a:rPr lang="ko-KR" altLang="en-US" sz="1050" dirty="0"/>
+                        <a:t>승률</a:t>
+                      </a:r>
+                    </a:p>
+                  </a:txBody>
+                  <a:tcPr anchor="ctr"/>
+                </a:tc>
+                <a:tc>
+                  <a:txBody>
+                    <a:bodyPr/>
+                    <a:lstStyle/>
+                    <a:p>
+                      <a:pPr algn="ctr" latinLnBrk="1"/>
+                      <a:endParaRPr lang="ko-KR" altLang="en-US" sz="1050" dirty="0"/>
+                    </a:p>
+                  </a:txBody>
+                  <a:tcPr anchor="ctr"/>
+                </a:tc>
+                <a:tc>
+                  <a:txBody>
+                    <a:bodyPr/>
+                    <a:lstStyle/>
+                    <a:p>
+                      <a:pPr algn="ctr" latinLnBrk="1"/>
+                      <a:endParaRPr lang="ko-KR" altLang="en-US" sz="1050" dirty="0"/>
+                    </a:p>
+                  </a:txBody>
+                  <a:tcPr anchor="ctr"/>
+                </a:tc>
+                <a:extLst>
+                  <a:ext uri="{0D108BD9-81ED-4DB2-BD59-A6C34878D82A}">
+                    <a16:rowId xmlns:a16="http://schemas.microsoft.com/office/drawing/2014/main" val="1218144594"/>
+                  </a:ext>
+                </a:extLst>
+              </a:tr>
+              <a:tr h="299824">
+                <a:tc>
+                  <a:txBody>
+                    <a:bodyPr/>
+                    <a:lstStyle/>
+                    <a:p>
+                      <a:pPr algn="ctr" latinLnBrk="1"/>
+                      <a:r>
+                        <a:rPr lang="ko-KR" altLang="en-US" sz="1050" dirty="0"/>
+                        <a:t>삼진</a:t>
+                      </a:r>
+                      <a:r>
+                        <a:rPr lang="en-US" altLang="ko-KR" sz="1050" dirty="0"/>
+                        <a:t>/9</a:t>
+                      </a:r>
+                      <a:endParaRPr lang="ko-KR" altLang="en-US" sz="1050" dirty="0"/>
+                    </a:p>
+                  </a:txBody>
+                  <a:tcPr anchor="ctr"/>
+                </a:tc>
+                <a:tc>
+                  <a:txBody>
+                    <a:bodyPr/>
+                    <a:lstStyle/>
+                    <a:p>
+                      <a:pPr algn="ctr" latinLnBrk="1"/>
+                      <a:endParaRPr lang="ko-KR" altLang="en-US" sz="1050" dirty="0"/>
+                    </a:p>
+                  </a:txBody>
+                  <a:tcPr anchor="ctr"/>
+                </a:tc>
+                <a:tc>
+                  <a:txBody>
+                    <a:bodyPr/>
+                    <a:lstStyle/>
+                    <a:p>
+                      <a:pPr algn="ctr" latinLnBrk="1"/>
+                      <a:endParaRPr lang="ko-KR" altLang="en-US" sz="1050" dirty="0"/>
+                    </a:p>
+                  </a:txBody>
+                  <a:tcPr anchor="ctr"/>
+                </a:tc>
+                <a:extLst>
+                  <a:ext uri="{0D108BD9-81ED-4DB2-BD59-A6C34878D82A}">
+                    <a16:rowId xmlns:a16="http://schemas.microsoft.com/office/drawing/2014/main" val="1262212873"/>
+                  </a:ext>
+                </a:extLst>
+              </a:tr>
+              <a:tr h="299824">
+                <a:tc>
+                  <a:txBody>
+                    <a:bodyPr/>
+                    <a:lstStyle/>
+                    <a:p>
+                      <a:pPr algn="ctr" latinLnBrk="1"/>
+                      <a:r>
+                        <a:rPr lang="ko-KR" altLang="en-US" sz="1050" dirty="0"/>
+                        <a:t>볼넷</a:t>
+                      </a:r>
+                      <a:r>
+                        <a:rPr lang="en-US" altLang="ko-KR" sz="1050" dirty="0"/>
+                        <a:t>/9</a:t>
+                      </a:r>
+                      <a:endParaRPr lang="ko-KR" altLang="en-US" sz="1050" dirty="0"/>
+                    </a:p>
+                  </a:txBody>
+                  <a:tcPr anchor="ctr"/>
+                </a:tc>
+                <a:tc>
+                  <a:txBody>
+                    <a:bodyPr/>
+                    <a:lstStyle/>
+                    <a:p>
+                      <a:pPr algn="ctr" latinLnBrk="1"/>
+                      <a:endParaRPr lang="ko-KR" altLang="en-US" sz="1050" dirty="0"/>
+                    </a:p>
+                  </a:txBody>
+                  <a:tcPr anchor="ctr"/>
+                </a:tc>
+                <a:tc>
+                  <a:txBody>
+                    <a:bodyPr/>
+                    <a:lstStyle/>
+                    <a:p>
+                      <a:pPr algn="ctr" latinLnBrk="1"/>
+                      <a:endParaRPr lang="ko-KR" altLang="en-US" sz="1050" dirty="0"/>
+                    </a:p>
+                  </a:txBody>
+                  <a:tcPr anchor="ctr"/>
+                </a:tc>
+                <a:extLst>
+                  <a:ext uri="{0D108BD9-81ED-4DB2-BD59-A6C34878D82A}">
+                    <a16:rowId xmlns:a16="http://schemas.microsoft.com/office/drawing/2014/main" val="3496460499"/>
+                  </a:ext>
+                </a:extLst>
+              </a:tr>
+            </a:tbl>
+          </a:graphicData>
+        </a:graphic>
+      </p:graphicFrame>
+      <p:sp>
+        <p:nvSpPr>
+          <p:cNvPr id="12" name="TextBox 11">
+            <a:extLst>
+              <a:ext uri="{FF2B5EF4-FFF2-40B4-BE49-F238E27FC236}">
+                <a16:creationId xmlns:a16="http://schemas.microsoft.com/office/drawing/2014/main" id="{9831CA46-8B8B-9787-CF9C-F716F7FCAC39}"/>
+              </a:ext>
+            </a:extLst>
+          </p:cNvPr>
+          <p:cNvSpPr txBox="1"/>
+          <p:nvPr/>
+        </p:nvSpPr>
+        <p:spPr>
+          <a:xfrm>
+            <a:off x="6096000" y="1280160"/>
+            <a:ext cx="1356718" cy="369332"/>
+          </a:xfrm>
+          <a:prstGeom prst="rect">
+            <a:avLst/>
+          </a:prstGeom>
+          <a:noFill/>
+        </p:spPr>
+        <p:txBody>
+          <a:bodyPr wrap="none" rtlCol="0">
+            <a:spAutoFit/>
+          </a:bodyPr>
+          <a:lstStyle/>
+          <a:p>
+            <a:r>
+              <a:rPr lang="en-US" altLang="ko-KR" dirty="0"/>
+              <a:t>[</a:t>
+            </a:r>
+            <a:r>
+              <a:rPr lang="ko-KR" altLang="en-US" dirty="0"/>
+              <a:t>투수 </a:t>
+            </a:r>
+            <a:r>
+              <a:rPr lang="en-US" altLang="ko-KR" dirty="0"/>
+              <a:t>STAT]</a:t>
+            </a:r>
+            <a:endParaRPr lang="ko-KR" altLang="en-US" dirty="0"/>
+          </a:p>
+        </p:txBody>
+      </p:sp>
+      <p:sp>
+        <p:nvSpPr>
+          <p:cNvPr id="13" name="TextBox 12">
+            <a:extLst>
+              <a:ext uri="{FF2B5EF4-FFF2-40B4-BE49-F238E27FC236}">
+                <a16:creationId xmlns:a16="http://schemas.microsoft.com/office/drawing/2014/main" id="{A5B40AB8-F7FF-C6E4-3215-D53B65310E4F}"/>
+              </a:ext>
+            </a:extLst>
+          </p:cNvPr>
+          <p:cNvSpPr txBox="1"/>
+          <p:nvPr/>
+        </p:nvSpPr>
+        <p:spPr>
+          <a:xfrm>
+            <a:off x="1036320" y="404948"/>
+            <a:ext cx="4248279" cy="369332"/>
+          </a:xfrm>
+          <a:prstGeom prst="rect">
+            <a:avLst/>
+          </a:prstGeom>
+          <a:noFill/>
+        </p:spPr>
+        <p:txBody>
+          <a:bodyPr wrap="none" rtlCol="0">
+            <a:spAutoFit/>
+          </a:bodyPr>
+          <a:lstStyle/>
+          <a:p>
+            <a:r>
+              <a:rPr lang="en-US" altLang="ko-KR" dirty="0"/>
+              <a:t>[</a:t>
+            </a:r>
+            <a:r>
+              <a:rPr lang="ko-KR" altLang="en-US" dirty="0"/>
+              <a:t>주제 </a:t>
+            </a:r>
+            <a:r>
+              <a:rPr lang="en-US" altLang="ko-KR" dirty="0"/>
+              <a:t>: </a:t>
+            </a:r>
+            <a:r>
+              <a:rPr lang="ko-KR" altLang="en-US" dirty="0"/>
+              <a:t>메이저리그 승리 예상 프로그램</a:t>
+            </a:r>
+            <a:r>
+              <a:rPr lang="en-US" altLang="ko-KR" dirty="0"/>
+              <a:t>]</a:t>
+            </a:r>
+            <a:endParaRPr lang="ko-KR" altLang="en-US" dirty="0"/>
+          </a:p>
+        </p:txBody>
+      </p:sp>
+    </p:spTree>
+    <p:extLst>
+      <p:ext uri="{BB962C8B-B14F-4D97-AF65-F5344CB8AC3E}">
+        <p14:creationId xmlns:p14="http://schemas.microsoft.com/office/powerpoint/2010/main" val="1970044779"/>
+      </p:ext>
+    </p:extLst>
+  </p:cSld>
+  <p:clrMapOvr>
+    <a:masterClrMapping/>
+  </p:clrMapOvr>
+</p:sld>
+</file>
+
+<file path=ppt/slides/slide3.xml><?xml version="1.0" encoding="utf-8"?>
+<p:sld xmlns:a="http://schemas.openxmlformats.org/drawingml/2006/main" xmlns:r="http://schemas.openxmlformats.org/officeDocument/2006/relationships" xmlns:p="http://schemas.openxmlformats.org/presentationml/2006/main">
+  <p:cSld>
+    <p:spTree>
+      <p:nvGrpSpPr>
+        <p:cNvPr id="1" name=""/>
+        <p:cNvGrpSpPr/>
+        <p:nvPr/>
+      </p:nvGrpSpPr>
+      <p:grpSpPr>
+        <a:xfrm>
+          <a:off x="0" y="0"/>
+          <a:ext cx="0" cy="0"/>
+          <a:chOff x="0" y="0"/>
+          <a:chExt cx="0" cy="0"/>
+        </a:xfrm>
+      </p:grpSpPr>
+      <p:sp>
+        <p:nvSpPr>
+          <p:cNvPr id="4" name="TextBox 3">
+            <a:extLst>
+              <a:ext uri="{FF2B5EF4-FFF2-40B4-BE49-F238E27FC236}">
+                <a16:creationId xmlns:a16="http://schemas.microsoft.com/office/drawing/2014/main" id="{560CF893-7905-28AA-A78E-46E076D67ECF}"/>
+              </a:ext>
+            </a:extLst>
+          </p:cNvPr>
+          <p:cNvSpPr txBox="1"/>
+          <p:nvPr/>
+        </p:nvSpPr>
+        <p:spPr>
+          <a:xfrm>
+            <a:off x="1036320" y="801189"/>
+            <a:ext cx="1330814" cy="369332"/>
+          </a:xfrm>
+          <a:prstGeom prst="rect">
+            <a:avLst/>
+          </a:prstGeom>
+          <a:noFill/>
+        </p:spPr>
+        <p:txBody>
+          <a:bodyPr wrap="none" rtlCol="0">
+            <a:spAutoFit/>
+          </a:bodyPr>
+          <a:lstStyle/>
+          <a:p>
+            <a:r>
+              <a:rPr lang="en-US" altLang="ko-KR" dirty="0"/>
+              <a:t>[</a:t>
+            </a:r>
+            <a:r>
+              <a:rPr lang="ko-KR" altLang="en-US" dirty="0"/>
+              <a:t>분석 내용</a:t>
+            </a:r>
+            <a:r>
+              <a:rPr lang="en-US" altLang="ko-KR" dirty="0"/>
+              <a:t>]</a:t>
+            </a:r>
+            <a:endParaRPr lang="ko-KR" altLang="en-US" dirty="0"/>
+          </a:p>
+        </p:txBody>
+      </p:sp>
+      <p:sp>
+        <p:nvSpPr>
+          <p:cNvPr id="5" name="TextBox 4">
+            <a:extLst>
+              <a:ext uri="{FF2B5EF4-FFF2-40B4-BE49-F238E27FC236}">
+                <a16:creationId xmlns:a16="http://schemas.microsoft.com/office/drawing/2014/main" id="{75628C94-3B1F-85FD-F46D-D46FC22B716E}"/>
+              </a:ext>
+            </a:extLst>
+          </p:cNvPr>
+          <p:cNvSpPr txBox="1"/>
+          <p:nvPr/>
+        </p:nvSpPr>
+        <p:spPr>
+          <a:xfrm>
+            <a:off x="1036320" y="1323703"/>
+            <a:ext cx="10264348" cy="2862322"/>
+          </a:xfrm>
+          <a:prstGeom prst="rect">
+            <a:avLst/>
+          </a:prstGeom>
+          <a:noFill/>
+        </p:spPr>
+        <p:txBody>
+          <a:bodyPr wrap="none" rtlCol="0">
+            <a:spAutoFit/>
+          </a:bodyPr>
+          <a:lstStyle/>
+          <a:p>
+            <a:pPr marL="342900" indent="-342900">
+              <a:buAutoNum type="arabicPeriod"/>
+            </a:pPr>
+            <a:r>
+              <a:rPr lang="ko-KR" altLang="en-US" dirty="0"/>
+              <a:t>다음 경기의 승패 예측</a:t>
+            </a:r>
+            <a:r>
+              <a:rPr lang="en-US" altLang="ko-KR" dirty="0"/>
+              <a:t>:</a:t>
+            </a:r>
+          </a:p>
+          <a:p>
+            <a:r>
+              <a:rPr lang="en-US" altLang="ko-KR" dirty="0"/>
+              <a:t>     </a:t>
+            </a:r>
+            <a:r>
+              <a:rPr lang="ko-KR" altLang="en-US" dirty="0"/>
+              <a:t>양 팀의 엔트리 선수들의 </a:t>
+            </a:r>
+            <a:r>
+              <a:rPr lang="en-US" altLang="ko-KR" dirty="0"/>
+              <a:t>STAT, </a:t>
+            </a:r>
+            <a:r>
+              <a:rPr lang="ko-KR" altLang="en-US" dirty="0"/>
+              <a:t>역대 승률을 기반으로 승패 예측</a:t>
+            </a:r>
+            <a:endParaRPr lang="en-US" altLang="ko-KR" dirty="0"/>
+          </a:p>
+          <a:p>
+            <a:endParaRPr lang="en-US" altLang="ko-KR" dirty="0"/>
+          </a:p>
+          <a:p>
+            <a:pPr marL="342900" indent="-342900">
+              <a:buAutoNum type="arabicPeriod"/>
+            </a:pPr>
+            <a:endParaRPr lang="en-US" altLang="ko-KR" dirty="0"/>
+          </a:p>
+          <a:p>
+            <a:pPr marL="342900" indent="-342900">
+              <a:buFont typeface="+mj-lt"/>
+              <a:buAutoNum type="arabicPeriod" startAt="2"/>
+            </a:pPr>
+            <a:r>
+              <a:rPr lang="ko-KR" altLang="en-US" dirty="0" err="1"/>
+              <a:t>당해의</a:t>
+            </a:r>
+            <a:r>
+              <a:rPr lang="ko-KR" altLang="en-US" dirty="0"/>
+              <a:t> 우승 확률 예측</a:t>
+            </a:r>
+            <a:r>
+              <a:rPr lang="en-US" altLang="ko-KR" dirty="0"/>
+              <a:t>:</a:t>
+            </a:r>
+          </a:p>
+          <a:p>
+            <a:r>
+              <a:rPr lang="en-US" altLang="ko-KR" dirty="0"/>
+              <a:t>     </a:t>
+            </a:r>
+            <a:r>
+              <a:rPr lang="ko-KR" altLang="en-US" dirty="0"/>
+              <a:t>작년 순위</a:t>
+            </a:r>
+            <a:r>
+              <a:rPr lang="en-US" altLang="ko-KR" dirty="0"/>
+              <a:t>, </a:t>
+            </a:r>
+            <a:r>
+              <a:rPr lang="ko-KR" altLang="en-US" dirty="0"/>
+              <a:t>올해 현재 순위</a:t>
+            </a:r>
+            <a:r>
+              <a:rPr lang="en-US" altLang="ko-KR" dirty="0"/>
+              <a:t>, </a:t>
+            </a:r>
+            <a:r>
+              <a:rPr lang="ko-KR" altLang="en-US" dirty="0"/>
+              <a:t>선수 </a:t>
+            </a:r>
+            <a:r>
+              <a:rPr lang="en-US" altLang="ko-KR" dirty="0"/>
+              <a:t>STAT</a:t>
+            </a:r>
+            <a:r>
+              <a:rPr lang="ko-KR" altLang="en-US" dirty="0"/>
+              <a:t>을 기반으로 월드 시리즈 우승 확률 예측</a:t>
+            </a:r>
+            <a:endParaRPr lang="en-US" altLang="ko-KR" dirty="0"/>
+          </a:p>
+          <a:p>
+            <a:endParaRPr lang="en-US" altLang="ko-KR" dirty="0"/>
+          </a:p>
+          <a:p>
+            <a:pPr marL="342900" indent="-342900">
+              <a:buFont typeface="+mj-lt"/>
+              <a:buAutoNum type="arabicPeriod" startAt="2"/>
+            </a:pPr>
+            <a:endParaRPr lang="en-US" altLang="ko-KR" dirty="0"/>
+          </a:p>
+          <a:p>
+            <a:pPr marL="342900" indent="-342900">
+              <a:buFont typeface="+mj-lt"/>
+              <a:buAutoNum type="arabicPeriod" startAt="3"/>
+            </a:pPr>
+            <a:r>
+              <a:rPr lang="ko-KR" altLang="en-US" dirty="0"/>
+              <a:t>해당 팀이 올해</a:t>
+            </a:r>
+            <a:r>
+              <a:rPr lang="en-US" altLang="ko-KR" dirty="0"/>
+              <a:t> </a:t>
+            </a:r>
+            <a:r>
+              <a:rPr lang="ko-KR" altLang="en-US" dirty="0"/>
+              <a:t>또는 내년에 우승하기 위해서 무엇이 필요한가</a:t>
+            </a:r>
+            <a:r>
+              <a:rPr lang="en-US" altLang="ko-KR" dirty="0"/>
+              <a:t>? </a:t>
+            </a:r>
+            <a:r>
+              <a:rPr lang="ko-KR" altLang="en-US" dirty="0"/>
+              <a:t>어느 부분을 보완해야 하는가</a:t>
+            </a:r>
+            <a:r>
+              <a:rPr lang="en-US" altLang="ko-KR" dirty="0"/>
+              <a:t>?</a:t>
+            </a:r>
+          </a:p>
+          <a:p>
+            <a:r>
+              <a:rPr lang="en-US" altLang="ko-KR" dirty="0"/>
+              <a:t>     </a:t>
+            </a:r>
+            <a:r>
+              <a:rPr lang="ko-KR" altLang="en-US" dirty="0"/>
+              <a:t>타 팀에 비해 무엇이 부족한가</a:t>
+            </a:r>
+            <a:r>
+              <a:rPr lang="en-US" altLang="ko-KR" dirty="0"/>
+              <a:t>?</a:t>
+            </a:r>
+          </a:p>
+        </p:txBody>
+      </p:sp>
+      <p:sp>
+        <p:nvSpPr>
+          <p:cNvPr id="6" name="TextBox 5">
+            <a:extLst>
+              <a:ext uri="{FF2B5EF4-FFF2-40B4-BE49-F238E27FC236}">
+                <a16:creationId xmlns:a16="http://schemas.microsoft.com/office/drawing/2014/main" id="{92A15D7A-F888-F79F-AFA4-70B88CAA4BA5}"/>
+              </a:ext>
+            </a:extLst>
+          </p:cNvPr>
+          <p:cNvSpPr txBox="1"/>
+          <p:nvPr/>
+        </p:nvSpPr>
+        <p:spPr>
+          <a:xfrm>
+            <a:off x="1036320" y="4572000"/>
+            <a:ext cx="3528530" cy="369332"/>
+          </a:xfrm>
+          <a:prstGeom prst="rect">
+            <a:avLst/>
+          </a:prstGeom>
+          <a:noFill/>
+        </p:spPr>
+        <p:txBody>
+          <a:bodyPr wrap="none" rtlCol="0">
+            <a:spAutoFit/>
+          </a:bodyPr>
+          <a:lstStyle/>
+          <a:p>
+            <a:r>
+              <a:rPr lang="en-US" altLang="ko-KR" dirty="0"/>
+              <a:t>[</a:t>
+            </a:r>
+            <a:r>
+              <a:rPr lang="ko-KR" altLang="en-US" dirty="0"/>
+              <a:t>지금 당장 우리가 필요한 것은</a:t>
+            </a:r>
+            <a:r>
+              <a:rPr lang="en-US" altLang="ko-KR" dirty="0"/>
+              <a:t>?]</a:t>
+            </a:r>
+            <a:endParaRPr lang="ko-KR" altLang="en-US" dirty="0"/>
+          </a:p>
+        </p:txBody>
+      </p:sp>
+      <p:sp>
+        <p:nvSpPr>
+          <p:cNvPr id="7" name="TextBox 6">
+            <a:extLst>
+              <a:ext uri="{FF2B5EF4-FFF2-40B4-BE49-F238E27FC236}">
+                <a16:creationId xmlns:a16="http://schemas.microsoft.com/office/drawing/2014/main" id="{45C68952-1849-C189-22CE-14EFC5877381}"/>
+              </a:ext>
+            </a:extLst>
+          </p:cNvPr>
+          <p:cNvSpPr txBox="1"/>
+          <p:nvPr/>
+        </p:nvSpPr>
+        <p:spPr>
+          <a:xfrm>
+            <a:off x="1036320" y="4958749"/>
+            <a:ext cx="5931432" cy="923330"/>
+          </a:xfrm>
+          <a:prstGeom prst="rect">
+            <a:avLst/>
+          </a:prstGeom>
+          <a:noFill/>
+        </p:spPr>
+        <p:txBody>
+          <a:bodyPr wrap="none" rtlCol="0">
+            <a:spAutoFit/>
+          </a:bodyPr>
+          <a:lstStyle/>
+          <a:p>
+            <a:pPr marL="342900" indent="-342900">
+              <a:buAutoNum type="arabicPeriod"/>
+            </a:pPr>
+            <a:r>
+              <a:rPr lang="ko-KR" altLang="en-US" dirty="0"/>
+              <a:t>데이터</a:t>
+            </a:r>
+            <a:endParaRPr lang="en-US" altLang="ko-KR" dirty="0"/>
+          </a:p>
+          <a:p>
+            <a:pPr marL="342900" indent="-342900">
+              <a:buAutoNum type="arabicPeriod"/>
+            </a:pPr>
+            <a:endParaRPr lang="en-US" altLang="ko-KR" dirty="0"/>
+          </a:p>
+          <a:p>
+            <a:pPr marL="342900" indent="-342900">
+              <a:buFont typeface="+mj-lt"/>
+              <a:buAutoNum type="arabicPeriod" startAt="2"/>
+            </a:pPr>
+            <a:r>
+              <a:rPr lang="ko-KR" altLang="en-US" dirty="0"/>
+              <a:t>예측모델 선정</a:t>
+            </a:r>
+            <a:r>
+              <a:rPr lang="en-US" altLang="ko-KR" dirty="0"/>
+              <a:t>?  </a:t>
+            </a:r>
+            <a:r>
+              <a:rPr lang="ko-KR" altLang="en-US" dirty="0"/>
+              <a:t>적절한 예측모델이 있기나 한 </a:t>
+            </a:r>
+            <a:r>
+              <a:rPr lang="ko-KR" altLang="en-US" dirty="0" err="1"/>
+              <a:t>걸가</a:t>
+            </a:r>
+            <a:r>
+              <a:rPr lang="en-US" altLang="ko-KR" dirty="0"/>
+              <a:t>?</a:t>
+            </a:r>
+          </a:p>
+        </p:txBody>
+      </p:sp>
+    </p:spTree>
+    <p:extLst>
+      <p:ext uri="{BB962C8B-B14F-4D97-AF65-F5344CB8AC3E}">
+        <p14:creationId xmlns:p14="http://schemas.microsoft.com/office/powerpoint/2010/main" val="3656881940"/>
       </p:ext>
     </p:extLst>
   </p:cSld>

--- a/프로젝트 계획.pptx
+++ b/프로젝트 계획.pptx
@@ -261,7 +261,7 @@
           <a:p>
             <a:fld id="{CC676292-E4C0-47B9-A761-4E2603273122}" type="datetimeFigureOut">
               <a:rPr lang="ko-KR" altLang="en-US" smtClean="0"/>
-              <a:t>2023-05-30</a:t>
+              <a:t>2023-05-31</a:t>
             </a:fld>
             <a:endParaRPr lang="ko-KR" altLang="en-US"/>
           </a:p>
@@ -459,7 +459,7 @@
           <a:p>
             <a:fld id="{CC676292-E4C0-47B9-A761-4E2603273122}" type="datetimeFigureOut">
               <a:rPr lang="ko-KR" altLang="en-US" smtClean="0"/>
-              <a:t>2023-05-30</a:t>
+              <a:t>2023-05-31</a:t>
             </a:fld>
             <a:endParaRPr lang="ko-KR" altLang="en-US"/>
           </a:p>
@@ -667,7 +667,7 @@
           <a:p>
             <a:fld id="{CC676292-E4C0-47B9-A761-4E2603273122}" type="datetimeFigureOut">
               <a:rPr lang="ko-KR" altLang="en-US" smtClean="0"/>
-              <a:t>2023-05-30</a:t>
+              <a:t>2023-05-31</a:t>
             </a:fld>
             <a:endParaRPr lang="ko-KR" altLang="en-US"/>
           </a:p>
@@ -865,7 +865,7 @@
           <a:p>
             <a:fld id="{CC676292-E4C0-47B9-A761-4E2603273122}" type="datetimeFigureOut">
               <a:rPr lang="ko-KR" altLang="en-US" smtClean="0"/>
-              <a:t>2023-05-30</a:t>
+              <a:t>2023-05-31</a:t>
             </a:fld>
             <a:endParaRPr lang="ko-KR" altLang="en-US"/>
           </a:p>
@@ -1140,7 +1140,7 @@
           <a:p>
             <a:fld id="{CC676292-E4C0-47B9-A761-4E2603273122}" type="datetimeFigureOut">
               <a:rPr lang="ko-KR" altLang="en-US" smtClean="0"/>
-              <a:t>2023-05-30</a:t>
+              <a:t>2023-05-31</a:t>
             </a:fld>
             <a:endParaRPr lang="ko-KR" altLang="en-US"/>
           </a:p>
@@ -1405,7 +1405,7 @@
           <a:p>
             <a:fld id="{CC676292-E4C0-47B9-A761-4E2603273122}" type="datetimeFigureOut">
               <a:rPr lang="ko-KR" altLang="en-US" smtClean="0"/>
-              <a:t>2023-05-30</a:t>
+              <a:t>2023-05-31</a:t>
             </a:fld>
             <a:endParaRPr lang="ko-KR" altLang="en-US"/>
           </a:p>
@@ -1817,7 +1817,7 @@
           <a:p>
             <a:fld id="{CC676292-E4C0-47B9-A761-4E2603273122}" type="datetimeFigureOut">
               <a:rPr lang="ko-KR" altLang="en-US" smtClean="0"/>
-              <a:t>2023-05-30</a:t>
+              <a:t>2023-05-31</a:t>
             </a:fld>
             <a:endParaRPr lang="ko-KR" altLang="en-US"/>
           </a:p>
@@ -1958,7 +1958,7 @@
           <a:p>
             <a:fld id="{CC676292-E4C0-47B9-A761-4E2603273122}" type="datetimeFigureOut">
               <a:rPr lang="ko-KR" altLang="en-US" smtClean="0"/>
-              <a:t>2023-05-30</a:t>
+              <a:t>2023-05-31</a:t>
             </a:fld>
             <a:endParaRPr lang="ko-KR" altLang="en-US"/>
           </a:p>
@@ -2071,7 +2071,7 @@
           <a:p>
             <a:fld id="{CC676292-E4C0-47B9-A761-4E2603273122}" type="datetimeFigureOut">
               <a:rPr lang="ko-KR" altLang="en-US" smtClean="0"/>
-              <a:t>2023-05-30</a:t>
+              <a:t>2023-05-31</a:t>
             </a:fld>
             <a:endParaRPr lang="ko-KR" altLang="en-US"/>
           </a:p>
@@ -2382,7 +2382,7 @@
           <a:p>
             <a:fld id="{CC676292-E4C0-47B9-A761-4E2603273122}" type="datetimeFigureOut">
               <a:rPr lang="ko-KR" altLang="en-US" smtClean="0"/>
-              <a:t>2023-05-30</a:t>
+              <a:t>2023-05-31</a:t>
             </a:fld>
             <a:endParaRPr lang="ko-KR" altLang="en-US"/>
           </a:p>
@@ -2670,7 +2670,7 @@
           <a:p>
             <a:fld id="{CC676292-E4C0-47B9-A761-4E2603273122}" type="datetimeFigureOut">
               <a:rPr lang="ko-KR" altLang="en-US" smtClean="0"/>
-              <a:t>2023-05-30</a:t>
+              <a:t>2023-05-31</a:t>
             </a:fld>
             <a:endParaRPr lang="ko-KR" altLang="en-US"/>
           </a:p>
@@ -2911,7 +2911,7 @@
           <a:p>
             <a:fld id="{CC676292-E4C0-47B9-A761-4E2603273122}" type="datetimeFigureOut">
               <a:rPr lang="ko-KR" altLang="en-US" smtClean="0"/>
-              <a:t>2023-05-30</a:t>
+              <a:t>2023-05-31</a:t>
             </a:fld>
             <a:endParaRPr lang="ko-KR" altLang="en-US"/>
           </a:p>
@@ -3387,7 +3387,7 @@
         <p:spPr>
           <a:xfrm>
             <a:off x="940605" y="1105989"/>
-            <a:ext cx="10043134" cy="1754326"/>
+            <a:ext cx="10273966" cy="1754326"/>
           </a:xfrm>
           <a:prstGeom prst="rect">
             <a:avLst/>
@@ -3404,26 +3404,80 @@
               <a:buAutoNum type="arabicPeriod"/>
             </a:pPr>
             <a:r>
-              <a:rPr lang="ko-KR" altLang="en-US" dirty="0" err="1"/>
+              <a:rPr lang="ko-KR" altLang="en-US" strike="sngStrike" dirty="0" err="1"/>
               <a:t>챗</a:t>
             </a:r>
             <a:r>
-              <a:rPr lang="en-US" altLang="ko-KR" dirty="0"/>
+              <a:rPr lang="en-US" altLang="ko-KR" strike="sngStrike" dirty="0"/>
               <a:t>GPT</a:t>
             </a:r>
             <a:r>
-              <a:rPr lang="ko-KR" altLang="en-US" dirty="0"/>
+              <a:rPr lang="ko-KR" altLang="en-US" strike="sngStrike" dirty="0"/>
               <a:t>를 사용여부에 따른 회사의 실적 차이 분석</a:t>
             </a:r>
-            <a:endParaRPr lang="en-US" altLang="ko-KR" dirty="0"/>
+            <a:endParaRPr lang="en-US" altLang="ko-KR" strike="sngStrike" dirty="0"/>
           </a:p>
           <a:p>
             <a:pPr marL="342900" indent="-342900">
               <a:buAutoNum type="arabicPeriod"/>
             </a:pPr>
             <a:r>
+              <a:rPr lang="ko-KR" altLang="en-US" strike="sngStrike" dirty="0"/>
+              <a:t>국가별 바이크 면허 시험 난이도 따른 바이크 사고율</a:t>
+            </a:r>
+            <a:r>
+              <a:rPr lang="en-US" altLang="ko-KR" strike="sngStrike" dirty="0"/>
+              <a:t>/</a:t>
+            </a:r>
+            <a:r>
+              <a:rPr lang="ko-KR" altLang="en-US" strike="sngStrike" dirty="0"/>
+              <a:t>법규위반율 차이 분석</a:t>
+            </a:r>
+            <a:endParaRPr lang="en-US" altLang="ko-KR" strike="sngStrike" dirty="0"/>
+          </a:p>
+          <a:p>
+            <a:r>
+              <a:rPr lang="en-US" altLang="ko-KR" dirty="0"/>
+              <a:t>3. </a:t>
+            </a:r>
+            <a:r>
               <a:rPr lang="ko-KR" altLang="en-US" dirty="0"/>
-              <a:t>국가별 바이크 면허 시험 난이도 따른 바이크 사고율</a:t>
+              <a:t>지역별 대기질과 질환과의 관계분석</a:t>
+            </a:r>
+            <a:r>
+              <a:rPr lang="en-US" altLang="ko-KR" dirty="0"/>
+              <a:t>/(</a:t>
+            </a:r>
+            <a:r>
+              <a:rPr lang="ko-KR" altLang="en-US" dirty="0"/>
+              <a:t>녹지</a:t>
+            </a:r>
+            <a:r>
+              <a:rPr lang="en-US" altLang="ko-KR" dirty="0"/>
+              <a:t>, </a:t>
+            </a:r>
+            <a:r>
+              <a:rPr lang="ko-KR" altLang="en-US" dirty="0"/>
+              <a:t>환경규제</a:t>
+            </a:r>
+            <a:r>
+              <a:rPr lang="en-US" altLang="ko-KR" dirty="0"/>
+              <a:t>)</a:t>
+            </a:r>
+            <a:r>
+              <a:rPr lang="ko-KR" altLang="en-US" dirty="0"/>
+              <a:t>와 대기질과의 관계분석</a:t>
+            </a:r>
+            <a:endParaRPr lang="en-US" altLang="ko-KR" dirty="0"/>
+          </a:p>
+          <a:p>
+            <a:r>
+              <a:rPr lang="en-US" altLang="ko-KR" dirty="0"/>
+              <a:t>4. </a:t>
+            </a:r>
+            <a:r>
+              <a:rPr lang="ko-KR" altLang="en-US" dirty="0"/>
+              <a:t>한국프로야구의 각 구단의 상태데이터를 바탕으로 다음 경기의 승리확률</a:t>
             </a:r>
             <a:r>
               <a:rPr lang="en-US" altLang="ko-KR" dirty="0"/>
@@ -3431,73 +3485,62 @@
             </a:r>
             <a:r>
               <a:rPr lang="ko-KR" altLang="en-US" dirty="0"/>
-              <a:t>법규위반율 차이 분석</a:t>
+              <a:t>리그우승 확률을 예측</a:t>
             </a:r>
             <a:endParaRPr lang="en-US" altLang="ko-KR" dirty="0"/>
           </a:p>
           <a:p>
             <a:r>
               <a:rPr lang="en-US" altLang="ko-KR" dirty="0"/>
-              <a:t>3. </a:t>
+              <a:t>5. </a:t>
+            </a:r>
+            <a:r>
+              <a:rPr lang="ko-KR" altLang="en-US" b="1" dirty="0">
+                <a:solidFill>
+                  <a:srgbClr val="FF0000"/>
+                </a:solidFill>
+              </a:rPr>
+              <a:t>탄소중립을 위한 전기차</a:t>
+            </a:r>
+            <a:r>
+              <a:rPr lang="en-US" altLang="ko-KR" b="1" dirty="0">
+                <a:solidFill>
+                  <a:srgbClr val="FF0000"/>
+                </a:solidFill>
+              </a:rPr>
+              <a:t>/</a:t>
+            </a:r>
+            <a:r>
+              <a:rPr lang="ko-KR" altLang="en-US" b="1" dirty="0" err="1">
+                <a:solidFill>
+                  <a:srgbClr val="FF0000"/>
+                </a:solidFill>
+              </a:rPr>
+              <a:t>수소차</a:t>
+            </a:r>
+            <a:r>
+              <a:rPr lang="ko-KR" altLang="en-US" b="1" dirty="0">
+                <a:solidFill>
+                  <a:srgbClr val="FF0000"/>
+                </a:solidFill>
+              </a:rPr>
+              <a:t> 충전소 입지 분석</a:t>
+            </a:r>
+            <a:endParaRPr lang="en-US" altLang="ko-KR" b="1" dirty="0">
+              <a:solidFill>
+                <a:srgbClr val="FF0000"/>
+              </a:solidFill>
+            </a:endParaRPr>
+          </a:p>
+          <a:p>
+            <a:r>
+              <a:rPr lang="en-US" altLang="ko-KR" dirty="0"/>
+              <a:t>6.</a:t>
             </a:r>
             <a:r>
               <a:rPr lang="ko-KR" altLang="en-US" dirty="0"/>
-              <a:t>지역별 대기질과 질환과의 관계분석</a:t>
-            </a:r>
-            <a:r>
-              <a:rPr lang="en-US" altLang="ko-KR" dirty="0"/>
-              <a:t>/(</a:t>
-            </a:r>
-            <a:r>
-              <a:rPr lang="ko-KR" altLang="en-US" dirty="0"/>
-              <a:t>녹지</a:t>
-            </a:r>
-            <a:r>
-              <a:rPr lang="en-US" altLang="ko-KR" dirty="0"/>
-              <a:t>, </a:t>
-            </a:r>
-            <a:r>
-              <a:rPr lang="ko-KR" altLang="en-US" dirty="0"/>
-              <a:t>환경규제</a:t>
-            </a:r>
-            <a:r>
-              <a:rPr lang="en-US" altLang="ko-KR" dirty="0"/>
-              <a:t>)</a:t>
-            </a:r>
-            <a:r>
-              <a:rPr lang="ko-KR" altLang="en-US" dirty="0"/>
-              <a:t>와 대기질과의 관계분석</a:t>
-            </a:r>
-            <a:endParaRPr lang="en-US" altLang="ko-KR" dirty="0"/>
-          </a:p>
-          <a:p>
-            <a:r>
-              <a:rPr lang="en-US" altLang="ko-KR" dirty="0"/>
-              <a:t>4. </a:t>
-            </a:r>
-            <a:r>
-              <a:rPr lang="ko-KR" altLang="en-US" dirty="0"/>
-              <a:t>메이저리그의 각 구단의 상태데이터를 바탕으로 다음 경기의 승리확률</a:t>
-            </a:r>
-            <a:r>
-              <a:rPr lang="en-US" altLang="ko-KR" dirty="0"/>
-              <a:t>/</a:t>
-            </a:r>
-            <a:r>
-              <a:rPr lang="ko-KR" altLang="en-US" dirty="0"/>
-              <a:t>리그우승 확률을 예측</a:t>
-            </a:r>
-            <a:endParaRPr lang="en-US" altLang="ko-KR" dirty="0"/>
-          </a:p>
-          <a:p>
-            <a:r>
-              <a:rPr lang="en-US" altLang="ko-KR" dirty="0"/>
-              <a:t>5.</a:t>
-            </a:r>
-            <a:endParaRPr lang="ko-KR" altLang="en-US" dirty="0"/>
-          </a:p>
-          <a:p>
-            <a:endParaRPr lang="ko-KR" altLang="en-US" dirty="0"/>
+              <a:t> </a:t>
+            </a:r>
           </a:p>
         </p:txBody>
       </p:sp>
@@ -3515,7 +3558,7 @@
         </p:nvSpPr>
         <p:spPr>
           <a:xfrm>
-            <a:off x="940605" y="2675649"/>
+            <a:off x="1013032" y="2966076"/>
             <a:ext cx="787395" cy="369332"/>
           </a:xfrm>
           <a:prstGeom prst="rect">
@@ -3560,14 +3603,14 @@
           <p:nvPr>
             <p:extLst>
               <p:ext uri="{D42A27DB-BD31-4B8C-83A1-F6EECF244321}">
-                <p14:modId xmlns:p14="http://schemas.microsoft.com/office/powerpoint/2010/main" val="3558785031"/>
+                <p14:modId xmlns:p14="http://schemas.microsoft.com/office/powerpoint/2010/main" val="3743134602"/>
               </p:ext>
             </p:extLst>
           </p:nvPr>
         </p:nvGraphicFramePr>
         <p:xfrm>
-          <a:off x="1965294" y="2786742"/>
-          <a:ext cx="5541495" cy="3596642"/>
+          <a:off x="1965294" y="3004020"/>
+          <a:ext cx="5541495" cy="3125171"/>
         </p:xfrm>
         <a:graphic>
           <a:graphicData uri="http://schemas.openxmlformats.org/drawingml/2006/table">
@@ -3598,7 +3641,7 @@
                   </a:extLst>
                 </a:gridCol>
               </a:tblGrid>
-              <a:tr h="513806">
+              <a:tr h="446453">
                 <a:tc>
                   <a:txBody>
                     <a:bodyPr/>
@@ -3647,7 +3690,7 @@
                   </a:ext>
                 </a:extLst>
               </a:tr>
-              <a:tr h="513806">
+              <a:tr h="446453">
                 <a:tc>
                   <a:txBody>
                     <a:bodyPr/>
@@ -3705,7 +3748,7 @@
                   </a:ext>
                 </a:extLst>
               </a:tr>
-              <a:tr h="513806">
+              <a:tr h="446453">
                 <a:tc>
                   <a:txBody>
                     <a:bodyPr/>
@@ -3773,7 +3816,7 @@
                   </a:ext>
                 </a:extLst>
               </a:tr>
-              <a:tr h="513806">
+              <a:tr h="446453">
                 <a:tc>
                   <a:txBody>
                     <a:bodyPr/>
@@ -3834,7 +3877,7 @@
                   </a:ext>
                 </a:extLst>
               </a:tr>
-              <a:tr h="513806">
+              <a:tr h="446453">
                 <a:tc>
                   <a:txBody>
                     <a:bodyPr/>
@@ -3892,7 +3935,7 @@
                   </a:ext>
                 </a:extLst>
               </a:tr>
-              <a:tr h="513806">
+              <a:tr h="446453">
                 <a:tc>
                   <a:txBody>
                     <a:bodyPr/>
@@ -3954,7 +3997,7 @@
                   </a:ext>
                 </a:extLst>
               </a:tr>
-              <a:tr h="513806">
+              <a:tr h="446453">
                 <a:tc>
                   <a:txBody>
                     <a:bodyPr/>

--- a/프로젝트 계획.pptx
+++ b/프로젝트 계획.pptx
@@ -6,8 +6,6 @@
   </p:sldMasterIdLst>
   <p:sldIdLst>
     <p:sldId id="256" r:id="rId2"/>
-    <p:sldId id="257" r:id="rId3"/>
-    <p:sldId id="258" r:id="rId4"/>
   </p:sldIdLst>
   <p:sldSz cx="12192000" cy="6858000"/>
   <p:notesSz cx="6858000" cy="9144000"/>
@@ -261,7 +259,7 @@
           <a:p>
             <a:fld id="{CC676292-E4C0-47B9-A761-4E2603273122}" type="datetimeFigureOut">
               <a:rPr lang="ko-KR" altLang="en-US" smtClean="0"/>
-              <a:t>2023-05-31</a:t>
+              <a:t>2023-06-01</a:t>
             </a:fld>
             <a:endParaRPr lang="ko-KR" altLang="en-US"/>
           </a:p>
@@ -459,7 +457,7 @@
           <a:p>
             <a:fld id="{CC676292-E4C0-47B9-A761-4E2603273122}" type="datetimeFigureOut">
               <a:rPr lang="ko-KR" altLang="en-US" smtClean="0"/>
-              <a:t>2023-05-31</a:t>
+              <a:t>2023-06-01</a:t>
             </a:fld>
             <a:endParaRPr lang="ko-KR" altLang="en-US"/>
           </a:p>
@@ -667,7 +665,7 @@
           <a:p>
             <a:fld id="{CC676292-E4C0-47B9-A761-4E2603273122}" type="datetimeFigureOut">
               <a:rPr lang="ko-KR" altLang="en-US" smtClean="0"/>
-              <a:t>2023-05-31</a:t>
+              <a:t>2023-06-01</a:t>
             </a:fld>
             <a:endParaRPr lang="ko-KR" altLang="en-US"/>
           </a:p>
@@ -865,7 +863,7 @@
           <a:p>
             <a:fld id="{CC676292-E4C0-47B9-A761-4E2603273122}" type="datetimeFigureOut">
               <a:rPr lang="ko-KR" altLang="en-US" smtClean="0"/>
-              <a:t>2023-05-31</a:t>
+              <a:t>2023-06-01</a:t>
             </a:fld>
             <a:endParaRPr lang="ko-KR" altLang="en-US"/>
           </a:p>
@@ -1140,7 +1138,7 @@
           <a:p>
             <a:fld id="{CC676292-E4C0-47B9-A761-4E2603273122}" type="datetimeFigureOut">
               <a:rPr lang="ko-KR" altLang="en-US" smtClean="0"/>
-              <a:t>2023-05-31</a:t>
+              <a:t>2023-06-01</a:t>
             </a:fld>
             <a:endParaRPr lang="ko-KR" altLang="en-US"/>
           </a:p>
@@ -1405,7 +1403,7 @@
           <a:p>
             <a:fld id="{CC676292-E4C0-47B9-A761-4E2603273122}" type="datetimeFigureOut">
               <a:rPr lang="ko-KR" altLang="en-US" smtClean="0"/>
-              <a:t>2023-05-31</a:t>
+              <a:t>2023-06-01</a:t>
             </a:fld>
             <a:endParaRPr lang="ko-KR" altLang="en-US"/>
           </a:p>
@@ -1817,7 +1815,7 @@
           <a:p>
             <a:fld id="{CC676292-E4C0-47B9-A761-4E2603273122}" type="datetimeFigureOut">
               <a:rPr lang="ko-KR" altLang="en-US" smtClean="0"/>
-              <a:t>2023-05-31</a:t>
+              <a:t>2023-06-01</a:t>
             </a:fld>
             <a:endParaRPr lang="ko-KR" altLang="en-US"/>
           </a:p>
@@ -1958,7 +1956,7 @@
           <a:p>
             <a:fld id="{CC676292-E4C0-47B9-A761-4E2603273122}" type="datetimeFigureOut">
               <a:rPr lang="ko-KR" altLang="en-US" smtClean="0"/>
-              <a:t>2023-05-31</a:t>
+              <a:t>2023-06-01</a:t>
             </a:fld>
             <a:endParaRPr lang="ko-KR" altLang="en-US"/>
           </a:p>
@@ -2071,7 +2069,7 @@
           <a:p>
             <a:fld id="{CC676292-E4C0-47B9-A761-4E2603273122}" type="datetimeFigureOut">
               <a:rPr lang="ko-KR" altLang="en-US" smtClean="0"/>
-              <a:t>2023-05-31</a:t>
+              <a:t>2023-06-01</a:t>
             </a:fld>
             <a:endParaRPr lang="ko-KR" altLang="en-US"/>
           </a:p>
@@ -2382,7 +2380,7 @@
           <a:p>
             <a:fld id="{CC676292-E4C0-47B9-A761-4E2603273122}" type="datetimeFigureOut">
               <a:rPr lang="ko-KR" altLang="en-US" smtClean="0"/>
-              <a:t>2023-05-31</a:t>
+              <a:t>2023-06-01</a:t>
             </a:fld>
             <a:endParaRPr lang="ko-KR" altLang="en-US"/>
           </a:p>
@@ -2670,7 +2668,7 @@
           <a:p>
             <a:fld id="{CC676292-E4C0-47B9-A761-4E2603273122}" type="datetimeFigureOut">
               <a:rPr lang="ko-KR" altLang="en-US" smtClean="0"/>
-              <a:t>2023-05-31</a:t>
+              <a:t>2023-06-01</a:t>
             </a:fld>
             <a:endParaRPr lang="ko-KR" altLang="en-US"/>
           </a:p>
@@ -2911,7 +2909,7 @@
           <a:p>
             <a:fld id="{CC676292-E4C0-47B9-A761-4E2603273122}" type="datetimeFigureOut">
               <a:rPr lang="ko-KR" altLang="en-US" smtClean="0"/>
-              <a:t>2023-05-31</a:t>
+              <a:t>2023-06-01</a:t>
             </a:fld>
             <a:endParaRPr lang="ko-KR" altLang="en-US"/>
           </a:p>
@@ -3603,7 +3601,7 @@
           <p:nvPr>
             <p:extLst>
               <p:ext uri="{D42A27DB-BD31-4B8C-83A1-F6EECF244321}">
-                <p14:modId xmlns:p14="http://schemas.microsoft.com/office/powerpoint/2010/main" val="3743134602"/>
+                <p14:modId xmlns:p14="http://schemas.microsoft.com/office/powerpoint/2010/main" val="2311213400"/>
               </p:ext>
             </p:extLst>
           </p:nvPr>
@@ -3699,11 +3697,11 @@
                       <a:pPr algn="ctr" latinLnBrk="1"/>
                       <a:r>
                         <a:rPr lang="en-US" altLang="ko-KR" sz="1400" dirty="0"/>
-                        <a:t>5. 31(</a:t>
+                        <a:t>6.  1(</a:t>
                       </a:r>
                       <a:r>
                         <a:rPr lang="ko-KR" altLang="en-US" sz="1400" dirty="0"/>
-                        <a:t>수</a:t>
+                        <a:t>목</a:t>
                       </a:r>
                       <a:r>
                         <a:rPr lang="en-US" altLang="ko-KR" sz="1400" dirty="0"/>
@@ -3754,16 +3752,16 @@
                     <a:bodyPr/>
                     <a:lstStyle/>
                     <a:p>
-                      <a:pPr marL="342900" indent="-342900" algn="ctr" latinLnBrk="1">
-                        <a:buAutoNum type="arabicPeriod" startAt="6"/>
+                      <a:pPr marL="0" indent="0" algn="ctr" latinLnBrk="1">
+                        <a:buNone/>
                       </a:pPr>
                       <a:r>
                         <a:rPr lang="en-US" altLang="ko-KR" sz="1400" dirty="0"/>
-                        <a:t>4(</a:t>
+                        <a:t>6. 7(</a:t>
                       </a:r>
                       <a:r>
                         <a:rPr lang="ko-KR" altLang="en-US" sz="1400" dirty="0"/>
-                        <a:t>일</a:t>
+                        <a:t>수</a:t>
                       </a:r>
                       <a:r>
                         <a:rPr lang="en-US" altLang="ko-KR" sz="1400" dirty="0"/>
@@ -3822,16 +3820,16 @@
                     <a:bodyPr/>
                     <a:lstStyle/>
                     <a:p>
-                      <a:pPr marL="342900" indent="-342900" algn="ctr" latinLnBrk="1">
-                        <a:buAutoNum type="arabicPeriod" startAt="6"/>
+                      <a:pPr marL="0" indent="0" algn="ctr" latinLnBrk="1">
+                        <a:buNone/>
                       </a:pPr>
                       <a:r>
                         <a:rPr lang="en-US" altLang="ko-KR" sz="1400" dirty="0"/>
-                        <a:t>7(</a:t>
+                        <a:t>6. 8(</a:t>
                       </a:r>
                       <a:r>
                         <a:rPr lang="ko-KR" altLang="en-US" sz="1400" dirty="0"/>
-                        <a:t>수</a:t>
+                        <a:t>금</a:t>
                       </a:r>
                       <a:r>
                         <a:rPr lang="en-US" altLang="ko-KR" sz="1400" dirty="0"/>
@@ -4006,11 +4004,11 @@
                       <a:pPr algn="ctr" latinLnBrk="1"/>
                       <a:r>
                         <a:rPr lang="en-US" altLang="ko-KR" sz="1400" dirty="0"/>
-                        <a:t>6. 22(</a:t>
+                        <a:t>6. 21(</a:t>
                       </a:r>
                       <a:r>
                         <a:rPr lang="ko-KR" altLang="en-US" sz="1400" dirty="0"/>
-                        <a:t>목</a:t>
+                        <a:t>수</a:t>
                       </a:r>
                       <a:r>
                         <a:rPr lang="en-US" altLang="ko-KR" sz="1400" dirty="0"/>
@@ -4029,7 +4027,7 @@
                       <a:pPr algn="ctr" latinLnBrk="1"/>
                       <a:r>
                         <a:rPr lang="ko-KR" altLang="en-US" sz="1400" dirty="0"/>
-                        <a:t>발표준비</a:t>
+                        <a:t>발표준비완료</a:t>
                       </a:r>
                     </a:p>
                   </a:txBody>
@@ -4063,1843 +4061,6 @@
     <p:extLst>
       <p:ext uri="{BB962C8B-B14F-4D97-AF65-F5344CB8AC3E}">
         <p14:creationId xmlns:p14="http://schemas.microsoft.com/office/powerpoint/2010/main" val="1846340996"/>
-      </p:ext>
-    </p:extLst>
-  </p:cSld>
-  <p:clrMapOvr>
-    <a:masterClrMapping/>
-  </p:clrMapOvr>
-</p:sld>
-</file>
-
-<file path=ppt/slides/slide2.xml><?xml version="1.0" encoding="utf-8"?>
-<p:sld xmlns:a="http://schemas.openxmlformats.org/drawingml/2006/main" xmlns:r="http://schemas.openxmlformats.org/officeDocument/2006/relationships" xmlns:p="http://schemas.openxmlformats.org/presentationml/2006/main">
-  <p:cSld>
-    <p:spTree>
-      <p:nvGrpSpPr>
-        <p:cNvPr id="1" name=""/>
-        <p:cNvGrpSpPr/>
-        <p:nvPr/>
-      </p:nvGrpSpPr>
-      <p:grpSpPr>
-        <a:xfrm>
-          <a:off x="0" y="0"/>
-          <a:ext cx="0" cy="0"/>
-          <a:chOff x="0" y="0"/>
-          <a:chExt cx="0" cy="0"/>
-        </a:xfrm>
-      </p:grpSpPr>
-      <p:sp>
-        <p:nvSpPr>
-          <p:cNvPr id="5" name="TextBox 4">
-            <a:extLst>
-              <a:ext uri="{FF2B5EF4-FFF2-40B4-BE49-F238E27FC236}">
-                <a16:creationId xmlns:a16="http://schemas.microsoft.com/office/drawing/2014/main" id="{58377AF8-C07E-2DAD-DBF8-1DA065260775}"/>
-              </a:ext>
-            </a:extLst>
-          </p:cNvPr>
-          <p:cNvSpPr txBox="1"/>
-          <p:nvPr/>
-        </p:nvSpPr>
-        <p:spPr>
-          <a:xfrm>
-            <a:off x="1036320" y="801189"/>
-            <a:ext cx="1561646" cy="369332"/>
-          </a:xfrm>
-          <a:prstGeom prst="rect">
-            <a:avLst/>
-          </a:prstGeom>
-          <a:noFill/>
-        </p:spPr>
-        <p:txBody>
-          <a:bodyPr wrap="none" rtlCol="0">
-            <a:spAutoFit/>
-          </a:bodyPr>
-          <a:lstStyle/>
-          <a:p>
-            <a:r>
-              <a:rPr lang="en-US" altLang="ko-KR" dirty="0"/>
-              <a:t>[</a:t>
-            </a:r>
-            <a:r>
-              <a:rPr lang="ko-KR" altLang="en-US" dirty="0"/>
-              <a:t>필요 데이터</a:t>
-            </a:r>
-            <a:r>
-              <a:rPr lang="en-US" altLang="ko-KR" dirty="0"/>
-              <a:t>]</a:t>
-            </a:r>
-            <a:endParaRPr lang="ko-KR" altLang="en-US" dirty="0"/>
-          </a:p>
-        </p:txBody>
-      </p:sp>
-      <p:graphicFrame>
-        <p:nvGraphicFramePr>
-          <p:cNvPr id="7" name="표 9">
-            <a:extLst>
-              <a:ext uri="{FF2B5EF4-FFF2-40B4-BE49-F238E27FC236}">
-                <a16:creationId xmlns:a16="http://schemas.microsoft.com/office/drawing/2014/main" id="{B4A430BC-D12E-B914-DB38-3403A6DAE514}"/>
-              </a:ext>
-            </a:extLst>
-          </p:cNvPr>
-          <p:cNvGraphicFramePr>
-            <a:graphicFrameLocks noGrp="1"/>
-          </p:cNvGraphicFramePr>
-          <p:nvPr>
-            <p:extLst>
-              <p:ext uri="{D42A27DB-BD31-4B8C-83A1-F6EECF244321}">
-                <p14:modId xmlns:p14="http://schemas.microsoft.com/office/powerpoint/2010/main" val="753731970"/>
-              </p:ext>
-            </p:extLst>
-          </p:nvPr>
-        </p:nvGraphicFramePr>
-        <p:xfrm>
-          <a:off x="1036322" y="1759131"/>
-          <a:ext cx="4641669" cy="2098768"/>
-        </p:xfrm>
-        <a:graphic>
-          <a:graphicData uri="http://schemas.openxmlformats.org/drawingml/2006/table">
-            <a:tbl>
-              <a:tblPr firstRow="1" bandRow="1">
-                <a:tableStyleId>{5C22544A-7EE6-4342-B048-85BDC9FD1C3A}</a:tableStyleId>
-              </a:tblPr>
-              <a:tblGrid>
-                <a:gridCol w="1547223">
-                  <a:extLst>
-                    <a:ext uri="{9D8B030D-6E8A-4147-A177-3AD203B41FA5}">
-                      <a16:colId xmlns:a16="http://schemas.microsoft.com/office/drawing/2014/main" val="2866882721"/>
-                    </a:ext>
-                  </a:extLst>
-                </a:gridCol>
-                <a:gridCol w="1547223">
-                  <a:extLst>
-                    <a:ext uri="{9D8B030D-6E8A-4147-A177-3AD203B41FA5}">
-                      <a16:colId xmlns:a16="http://schemas.microsoft.com/office/drawing/2014/main" val="3721905448"/>
-                    </a:ext>
-                  </a:extLst>
-                </a:gridCol>
-                <a:gridCol w="1547223">
-                  <a:extLst>
-                    <a:ext uri="{9D8B030D-6E8A-4147-A177-3AD203B41FA5}">
-                      <a16:colId xmlns:a16="http://schemas.microsoft.com/office/drawing/2014/main" val="1174549698"/>
-                    </a:ext>
-                  </a:extLst>
-                </a:gridCol>
-              </a:tblGrid>
-              <a:tr h="299824">
-                <a:tc>
-                  <a:txBody>
-                    <a:bodyPr/>
-                    <a:lstStyle/>
-                    <a:p>
-                      <a:pPr algn="ctr" latinLnBrk="1"/>
-                      <a:r>
-                        <a:rPr lang="ko-KR" altLang="en-US" sz="1200" dirty="0"/>
-                        <a:t>항목</a:t>
-                      </a:r>
-                    </a:p>
-                  </a:txBody>
-                  <a:tcPr anchor="ctr"/>
-                </a:tc>
-                <a:tc>
-                  <a:txBody>
-                    <a:bodyPr/>
-                    <a:lstStyle/>
-                    <a:p>
-                      <a:pPr algn="ctr" latinLnBrk="1"/>
-                      <a:r>
-                        <a:rPr lang="ko-KR" altLang="en-US" sz="1200" dirty="0"/>
-                        <a:t>항목</a:t>
-                      </a:r>
-                    </a:p>
-                  </a:txBody>
-                  <a:tcPr anchor="ctr"/>
-                </a:tc>
-                <a:tc>
-                  <a:txBody>
-                    <a:bodyPr/>
-                    <a:lstStyle/>
-                    <a:p>
-                      <a:pPr algn="ctr" latinLnBrk="1"/>
-                      <a:endParaRPr lang="ko-KR" altLang="en-US" sz="1200" dirty="0"/>
-                    </a:p>
-                  </a:txBody>
-                  <a:tcPr anchor="ctr"/>
-                </a:tc>
-                <a:extLst>
-                  <a:ext uri="{0D108BD9-81ED-4DB2-BD59-A6C34878D82A}">
-                    <a16:rowId xmlns:a16="http://schemas.microsoft.com/office/drawing/2014/main" val="3654045090"/>
-                  </a:ext>
-                </a:extLst>
-              </a:tr>
-              <a:tr h="299824">
-                <a:tc>
-                  <a:txBody>
-                    <a:bodyPr/>
-                    <a:lstStyle/>
-                    <a:p>
-                      <a:pPr algn="ctr" latinLnBrk="1"/>
-                      <a:r>
-                        <a:rPr lang="ko-KR" altLang="en-US" sz="1050" dirty="0"/>
-                        <a:t>키</a:t>
-                      </a:r>
-                    </a:p>
-                  </a:txBody>
-                  <a:tcPr anchor="ctr"/>
-                </a:tc>
-                <a:tc>
-                  <a:txBody>
-                    <a:bodyPr/>
-                    <a:lstStyle/>
-                    <a:p>
-                      <a:pPr algn="ctr" latinLnBrk="1"/>
-                      <a:r>
-                        <a:rPr lang="en-US" altLang="ko-KR" sz="1050" dirty="0"/>
-                        <a:t>OPS</a:t>
-                      </a:r>
-                      <a:endParaRPr lang="ko-KR" altLang="en-US" sz="1050" dirty="0"/>
-                    </a:p>
-                  </a:txBody>
-                  <a:tcPr anchor="ctr"/>
-                </a:tc>
-                <a:tc>
-                  <a:txBody>
-                    <a:bodyPr/>
-                    <a:lstStyle/>
-                    <a:p>
-                      <a:pPr algn="ctr" latinLnBrk="1"/>
-                      <a:r>
-                        <a:rPr lang="ko-KR" altLang="en-US" sz="1050" dirty="0"/>
-                        <a:t>나이</a:t>
-                      </a:r>
-                    </a:p>
-                  </a:txBody>
-                  <a:tcPr anchor="ctr"/>
-                </a:tc>
-                <a:extLst>
-                  <a:ext uri="{0D108BD9-81ED-4DB2-BD59-A6C34878D82A}">
-                    <a16:rowId xmlns:a16="http://schemas.microsoft.com/office/drawing/2014/main" val="383775560"/>
-                  </a:ext>
-                </a:extLst>
-              </a:tr>
-              <a:tr h="299824">
-                <a:tc>
-                  <a:txBody>
-                    <a:bodyPr/>
-                    <a:lstStyle/>
-                    <a:p>
-                      <a:pPr marL="0" indent="0" algn="ctr" latinLnBrk="1">
-                        <a:buNone/>
-                      </a:pPr>
-                      <a:r>
-                        <a:rPr lang="ko-KR" altLang="en-US" sz="1050" dirty="0"/>
-                        <a:t>몸무게</a:t>
-                      </a:r>
-                    </a:p>
-                  </a:txBody>
-                  <a:tcPr anchor="ctr"/>
-                </a:tc>
-                <a:tc>
-                  <a:txBody>
-                    <a:bodyPr/>
-                    <a:lstStyle/>
-                    <a:p>
-                      <a:pPr algn="ctr" latinLnBrk="1"/>
-                      <a:r>
-                        <a:rPr lang="ko-KR" altLang="en-US" sz="1050" dirty="0"/>
-                        <a:t>타점</a:t>
-                      </a:r>
-                    </a:p>
-                  </a:txBody>
-                  <a:tcPr anchor="ctr"/>
-                </a:tc>
-                <a:tc>
-                  <a:txBody>
-                    <a:bodyPr/>
-                    <a:lstStyle/>
-                    <a:p>
-                      <a:pPr algn="ctr" latinLnBrk="1"/>
-                      <a:endParaRPr lang="ko-KR" altLang="en-US" sz="1050" dirty="0"/>
-                    </a:p>
-                  </a:txBody>
-                  <a:tcPr anchor="ctr"/>
-                </a:tc>
-                <a:extLst>
-                  <a:ext uri="{0D108BD9-81ED-4DB2-BD59-A6C34878D82A}">
-                    <a16:rowId xmlns:a16="http://schemas.microsoft.com/office/drawing/2014/main" val="2288147001"/>
-                  </a:ext>
-                </a:extLst>
-              </a:tr>
-              <a:tr h="299824">
-                <a:tc>
-                  <a:txBody>
-                    <a:bodyPr/>
-                    <a:lstStyle/>
-                    <a:p>
-                      <a:pPr marL="0" indent="0" algn="ctr" latinLnBrk="1">
-                        <a:buNone/>
-                      </a:pPr>
-                      <a:r>
-                        <a:rPr lang="ko-KR" altLang="en-US" sz="1050" dirty="0"/>
-                        <a:t>좌</a:t>
-                      </a:r>
-                      <a:r>
-                        <a:rPr lang="en-US" altLang="ko-KR" sz="1050" dirty="0"/>
-                        <a:t>/</a:t>
-                      </a:r>
-                      <a:r>
-                        <a:rPr lang="ko-KR" altLang="en-US" sz="1050" dirty="0"/>
-                        <a:t>우</a:t>
-                      </a:r>
-                      <a:endParaRPr lang="en-US" altLang="ko-KR" sz="1050" dirty="0"/>
-                    </a:p>
-                  </a:txBody>
-                  <a:tcPr anchor="ctr"/>
-                </a:tc>
-                <a:tc>
-                  <a:txBody>
-                    <a:bodyPr/>
-                    <a:lstStyle/>
-                    <a:p>
-                      <a:pPr algn="ctr" latinLnBrk="1"/>
-                      <a:r>
-                        <a:rPr lang="en-US" altLang="ko-KR" sz="1050" dirty="0"/>
-                        <a:t>WAR</a:t>
-                      </a:r>
-                    </a:p>
-                  </a:txBody>
-                  <a:tcPr anchor="ctr"/>
-                </a:tc>
-                <a:tc>
-                  <a:txBody>
-                    <a:bodyPr/>
-                    <a:lstStyle/>
-                    <a:p>
-                      <a:pPr algn="ctr" latinLnBrk="1"/>
-                      <a:endParaRPr lang="ko-KR" altLang="en-US" sz="1050" dirty="0"/>
-                    </a:p>
-                  </a:txBody>
-                  <a:tcPr anchor="ctr"/>
-                </a:tc>
-                <a:extLst>
-                  <a:ext uri="{0D108BD9-81ED-4DB2-BD59-A6C34878D82A}">
-                    <a16:rowId xmlns:a16="http://schemas.microsoft.com/office/drawing/2014/main" val="3530316022"/>
-                  </a:ext>
-                </a:extLst>
-              </a:tr>
-              <a:tr h="299824">
-                <a:tc>
-                  <a:txBody>
-                    <a:bodyPr/>
-                    <a:lstStyle/>
-                    <a:p>
-                      <a:pPr algn="ctr" latinLnBrk="1"/>
-                      <a:r>
-                        <a:rPr lang="ko-KR" altLang="en-US" sz="1050" dirty="0"/>
-                        <a:t>타율</a:t>
-                      </a:r>
-                    </a:p>
-                  </a:txBody>
-                  <a:tcPr anchor="ctr"/>
-                </a:tc>
-                <a:tc>
-                  <a:txBody>
-                    <a:bodyPr/>
-                    <a:lstStyle/>
-                    <a:p>
-                      <a:pPr algn="ctr" latinLnBrk="1"/>
-                      <a:r>
-                        <a:rPr lang="ko-KR" altLang="en-US" sz="1050" dirty="0"/>
-                        <a:t>홈런</a:t>
-                      </a:r>
-                    </a:p>
-                  </a:txBody>
-                  <a:tcPr anchor="ctr"/>
-                </a:tc>
-                <a:tc>
-                  <a:txBody>
-                    <a:bodyPr/>
-                    <a:lstStyle/>
-                    <a:p>
-                      <a:pPr algn="ctr" latinLnBrk="1"/>
-                      <a:endParaRPr lang="ko-KR" altLang="en-US" sz="1050" dirty="0"/>
-                    </a:p>
-                  </a:txBody>
-                  <a:tcPr anchor="ctr"/>
-                </a:tc>
-                <a:extLst>
-                  <a:ext uri="{0D108BD9-81ED-4DB2-BD59-A6C34878D82A}">
-                    <a16:rowId xmlns:a16="http://schemas.microsoft.com/office/drawing/2014/main" val="1218144594"/>
-                  </a:ext>
-                </a:extLst>
-              </a:tr>
-              <a:tr h="299824">
-                <a:tc>
-                  <a:txBody>
-                    <a:bodyPr/>
-                    <a:lstStyle/>
-                    <a:p>
-                      <a:pPr algn="ctr" latinLnBrk="1"/>
-                      <a:r>
-                        <a:rPr lang="ko-KR" altLang="en-US" sz="1050" dirty="0" err="1"/>
-                        <a:t>출루율</a:t>
-                      </a:r>
-                      <a:endParaRPr lang="ko-KR" altLang="en-US" sz="1050" dirty="0"/>
-                    </a:p>
-                  </a:txBody>
-                  <a:tcPr anchor="ctr"/>
-                </a:tc>
-                <a:tc>
-                  <a:txBody>
-                    <a:bodyPr/>
-                    <a:lstStyle/>
-                    <a:p>
-                      <a:pPr algn="ctr" latinLnBrk="1"/>
-                      <a:r>
-                        <a:rPr lang="ko-KR" altLang="en-US" sz="1050" dirty="0"/>
-                        <a:t>도루</a:t>
-                      </a:r>
-                    </a:p>
-                  </a:txBody>
-                  <a:tcPr anchor="ctr"/>
-                </a:tc>
-                <a:tc>
-                  <a:txBody>
-                    <a:bodyPr/>
-                    <a:lstStyle/>
-                    <a:p>
-                      <a:pPr algn="ctr" latinLnBrk="1"/>
-                      <a:endParaRPr lang="ko-KR" altLang="en-US" sz="1050" dirty="0"/>
-                    </a:p>
-                  </a:txBody>
-                  <a:tcPr anchor="ctr"/>
-                </a:tc>
-                <a:extLst>
-                  <a:ext uri="{0D108BD9-81ED-4DB2-BD59-A6C34878D82A}">
-                    <a16:rowId xmlns:a16="http://schemas.microsoft.com/office/drawing/2014/main" val="1262212873"/>
-                  </a:ext>
-                </a:extLst>
-              </a:tr>
-              <a:tr h="299824">
-                <a:tc>
-                  <a:txBody>
-                    <a:bodyPr/>
-                    <a:lstStyle/>
-                    <a:p>
-                      <a:pPr algn="ctr" latinLnBrk="1"/>
-                      <a:r>
-                        <a:rPr lang="ko-KR" altLang="en-US" sz="1050" dirty="0" err="1"/>
-                        <a:t>장타율</a:t>
-                      </a:r>
-                      <a:endParaRPr lang="ko-KR" altLang="en-US" sz="1050" dirty="0"/>
-                    </a:p>
-                  </a:txBody>
-                  <a:tcPr anchor="ctr"/>
-                </a:tc>
-                <a:tc>
-                  <a:txBody>
-                    <a:bodyPr/>
-                    <a:lstStyle/>
-                    <a:p>
-                      <a:pPr algn="ctr" latinLnBrk="1"/>
-                      <a:r>
-                        <a:rPr lang="ko-KR" altLang="en-US" sz="1050" dirty="0"/>
-                        <a:t>연봉</a:t>
-                      </a:r>
-                    </a:p>
-                  </a:txBody>
-                  <a:tcPr anchor="ctr"/>
-                </a:tc>
-                <a:tc>
-                  <a:txBody>
-                    <a:bodyPr/>
-                    <a:lstStyle/>
-                    <a:p>
-                      <a:pPr algn="ctr" latinLnBrk="1"/>
-                      <a:endParaRPr lang="ko-KR" altLang="en-US" sz="1050" dirty="0"/>
-                    </a:p>
-                  </a:txBody>
-                  <a:tcPr anchor="ctr"/>
-                </a:tc>
-                <a:extLst>
-                  <a:ext uri="{0D108BD9-81ED-4DB2-BD59-A6C34878D82A}">
-                    <a16:rowId xmlns:a16="http://schemas.microsoft.com/office/drawing/2014/main" val="3496460499"/>
-                  </a:ext>
-                </a:extLst>
-              </a:tr>
-            </a:tbl>
-          </a:graphicData>
-        </a:graphic>
-      </p:graphicFrame>
-      <p:sp>
-        <p:nvSpPr>
-          <p:cNvPr id="8" name="TextBox 7">
-            <a:extLst>
-              <a:ext uri="{FF2B5EF4-FFF2-40B4-BE49-F238E27FC236}">
-                <a16:creationId xmlns:a16="http://schemas.microsoft.com/office/drawing/2014/main" id="{983FD188-01A0-4179-F902-F115E5AFB9AB}"/>
-              </a:ext>
-            </a:extLst>
-          </p:cNvPr>
-          <p:cNvSpPr txBox="1"/>
-          <p:nvPr/>
-        </p:nvSpPr>
-        <p:spPr>
-          <a:xfrm>
-            <a:off x="1036320" y="1280160"/>
-            <a:ext cx="1356718" cy="369332"/>
-          </a:xfrm>
-          <a:prstGeom prst="rect">
-            <a:avLst/>
-          </a:prstGeom>
-          <a:noFill/>
-        </p:spPr>
-        <p:txBody>
-          <a:bodyPr wrap="none" rtlCol="0">
-            <a:spAutoFit/>
-          </a:bodyPr>
-          <a:lstStyle/>
-          <a:p>
-            <a:r>
-              <a:rPr lang="en-US" altLang="ko-KR" dirty="0"/>
-              <a:t>[</a:t>
-            </a:r>
-            <a:r>
-              <a:rPr lang="ko-KR" altLang="en-US" dirty="0"/>
-              <a:t>타자 </a:t>
-            </a:r>
-            <a:r>
-              <a:rPr lang="en-US" altLang="ko-KR" dirty="0"/>
-              <a:t>STAT]</a:t>
-            </a:r>
-            <a:endParaRPr lang="ko-KR" altLang="en-US" dirty="0"/>
-          </a:p>
-        </p:txBody>
-      </p:sp>
-      <p:graphicFrame>
-        <p:nvGraphicFramePr>
-          <p:cNvPr id="9" name="표 9">
-            <a:extLst>
-              <a:ext uri="{FF2B5EF4-FFF2-40B4-BE49-F238E27FC236}">
-                <a16:creationId xmlns:a16="http://schemas.microsoft.com/office/drawing/2014/main" id="{CC9D557F-7D25-267F-C724-49E70D63912A}"/>
-              </a:ext>
-            </a:extLst>
-          </p:cNvPr>
-          <p:cNvGraphicFramePr>
-            <a:graphicFrameLocks noGrp="1"/>
-          </p:cNvGraphicFramePr>
-          <p:nvPr>
-            <p:extLst>
-              <p:ext uri="{D42A27DB-BD31-4B8C-83A1-F6EECF244321}">
-                <p14:modId xmlns:p14="http://schemas.microsoft.com/office/powerpoint/2010/main" val="2748904582"/>
-              </p:ext>
-            </p:extLst>
-          </p:nvPr>
-        </p:nvGraphicFramePr>
-        <p:xfrm>
-          <a:off x="1036321" y="4467498"/>
-          <a:ext cx="4641669" cy="2098768"/>
-        </p:xfrm>
-        <a:graphic>
-          <a:graphicData uri="http://schemas.openxmlformats.org/drawingml/2006/table">
-            <a:tbl>
-              <a:tblPr firstRow="1" bandRow="1">
-                <a:tableStyleId>{5C22544A-7EE6-4342-B048-85BDC9FD1C3A}</a:tableStyleId>
-              </a:tblPr>
-              <a:tblGrid>
-                <a:gridCol w="1547223">
-                  <a:extLst>
-                    <a:ext uri="{9D8B030D-6E8A-4147-A177-3AD203B41FA5}">
-                      <a16:colId xmlns:a16="http://schemas.microsoft.com/office/drawing/2014/main" val="2866882721"/>
-                    </a:ext>
-                  </a:extLst>
-                </a:gridCol>
-                <a:gridCol w="1547223">
-                  <a:extLst>
-                    <a:ext uri="{9D8B030D-6E8A-4147-A177-3AD203B41FA5}">
-                      <a16:colId xmlns:a16="http://schemas.microsoft.com/office/drawing/2014/main" val="3721905448"/>
-                    </a:ext>
-                  </a:extLst>
-                </a:gridCol>
-                <a:gridCol w="1547223">
-                  <a:extLst>
-                    <a:ext uri="{9D8B030D-6E8A-4147-A177-3AD203B41FA5}">
-                      <a16:colId xmlns:a16="http://schemas.microsoft.com/office/drawing/2014/main" val="1174549698"/>
-                    </a:ext>
-                  </a:extLst>
-                </a:gridCol>
-              </a:tblGrid>
-              <a:tr h="299824">
-                <a:tc>
-                  <a:txBody>
-                    <a:bodyPr/>
-                    <a:lstStyle/>
-                    <a:p>
-                      <a:pPr algn="ctr" latinLnBrk="1"/>
-                      <a:r>
-                        <a:rPr lang="ko-KR" altLang="en-US" sz="1200" dirty="0"/>
-                        <a:t>항목</a:t>
-                      </a:r>
-                    </a:p>
-                  </a:txBody>
-                  <a:tcPr anchor="ctr"/>
-                </a:tc>
-                <a:tc>
-                  <a:txBody>
-                    <a:bodyPr/>
-                    <a:lstStyle/>
-                    <a:p>
-                      <a:pPr algn="ctr" latinLnBrk="1"/>
-                      <a:r>
-                        <a:rPr lang="ko-KR" altLang="en-US" sz="1200" dirty="0"/>
-                        <a:t>항목</a:t>
-                      </a:r>
-                    </a:p>
-                  </a:txBody>
-                  <a:tcPr anchor="ctr"/>
-                </a:tc>
-                <a:tc>
-                  <a:txBody>
-                    <a:bodyPr/>
-                    <a:lstStyle/>
-                    <a:p>
-                      <a:pPr algn="ctr" latinLnBrk="1"/>
-                      <a:endParaRPr lang="ko-KR" altLang="en-US" sz="1200" dirty="0"/>
-                    </a:p>
-                  </a:txBody>
-                  <a:tcPr anchor="ctr"/>
-                </a:tc>
-                <a:extLst>
-                  <a:ext uri="{0D108BD9-81ED-4DB2-BD59-A6C34878D82A}">
-                    <a16:rowId xmlns:a16="http://schemas.microsoft.com/office/drawing/2014/main" val="3654045090"/>
-                  </a:ext>
-                </a:extLst>
-              </a:tr>
-              <a:tr h="299824">
-                <a:tc>
-                  <a:txBody>
-                    <a:bodyPr/>
-                    <a:lstStyle/>
-                    <a:p>
-                      <a:pPr algn="ctr" latinLnBrk="1"/>
-                      <a:r>
-                        <a:rPr lang="ko-KR" altLang="en-US" sz="1050" dirty="0" err="1"/>
-                        <a:t>총연봉</a:t>
-                      </a:r>
-                      <a:endParaRPr lang="ko-KR" altLang="en-US" sz="1050" dirty="0"/>
-                    </a:p>
-                  </a:txBody>
-                  <a:tcPr anchor="ctr"/>
-                </a:tc>
-                <a:tc>
-                  <a:txBody>
-                    <a:bodyPr/>
-                    <a:lstStyle/>
-                    <a:p>
-                      <a:pPr algn="ctr" latinLnBrk="1"/>
-                      <a:r>
-                        <a:rPr lang="ko-KR" altLang="en-US" sz="1050" dirty="0"/>
-                        <a:t>현재 순위</a:t>
-                      </a:r>
-                    </a:p>
-                  </a:txBody>
-                  <a:tcPr anchor="ctr"/>
-                </a:tc>
-                <a:tc>
-                  <a:txBody>
-                    <a:bodyPr/>
-                    <a:lstStyle/>
-                    <a:p>
-                      <a:pPr algn="ctr" latinLnBrk="1"/>
-                      <a:endParaRPr lang="ko-KR" altLang="en-US" sz="1050" dirty="0"/>
-                    </a:p>
-                  </a:txBody>
-                  <a:tcPr anchor="ctr"/>
-                </a:tc>
-                <a:extLst>
-                  <a:ext uri="{0D108BD9-81ED-4DB2-BD59-A6C34878D82A}">
-                    <a16:rowId xmlns:a16="http://schemas.microsoft.com/office/drawing/2014/main" val="383775560"/>
-                  </a:ext>
-                </a:extLst>
-              </a:tr>
-              <a:tr h="299824">
-                <a:tc>
-                  <a:txBody>
-                    <a:bodyPr/>
-                    <a:lstStyle/>
-                    <a:p>
-                      <a:pPr marL="0" indent="0" algn="ctr" latinLnBrk="1">
-                        <a:buNone/>
-                      </a:pPr>
-                      <a:r>
-                        <a:rPr lang="ko-KR" altLang="en-US" sz="1050" dirty="0" err="1"/>
-                        <a:t>연봉외</a:t>
-                      </a:r>
-                      <a:r>
-                        <a:rPr lang="ko-KR" altLang="en-US" sz="1050" dirty="0"/>
-                        <a:t> 투자비용</a:t>
-                      </a:r>
-                    </a:p>
-                  </a:txBody>
-                  <a:tcPr anchor="ctr"/>
-                </a:tc>
-                <a:tc>
-                  <a:txBody>
-                    <a:bodyPr/>
-                    <a:lstStyle/>
-                    <a:p>
-                      <a:pPr algn="ctr" latinLnBrk="1"/>
-                      <a:r>
-                        <a:rPr lang="en-US" altLang="ko-KR" sz="1050" dirty="0"/>
-                        <a:t>2</a:t>
-                      </a:r>
-                      <a:r>
-                        <a:rPr lang="ko-KR" altLang="en-US" sz="1050" dirty="0"/>
-                        <a:t>군 선수규모</a:t>
-                      </a:r>
-                      <a:endParaRPr lang="en-US" altLang="ko-KR" sz="1050" dirty="0"/>
-                    </a:p>
-                  </a:txBody>
-                  <a:tcPr anchor="ctr"/>
-                </a:tc>
-                <a:tc>
-                  <a:txBody>
-                    <a:bodyPr/>
-                    <a:lstStyle/>
-                    <a:p>
-                      <a:pPr algn="ctr" latinLnBrk="1"/>
-                      <a:endParaRPr lang="ko-KR" altLang="en-US" sz="1050" dirty="0"/>
-                    </a:p>
-                  </a:txBody>
-                  <a:tcPr anchor="ctr"/>
-                </a:tc>
-                <a:extLst>
-                  <a:ext uri="{0D108BD9-81ED-4DB2-BD59-A6C34878D82A}">
-                    <a16:rowId xmlns:a16="http://schemas.microsoft.com/office/drawing/2014/main" val="2288147001"/>
-                  </a:ext>
-                </a:extLst>
-              </a:tr>
-              <a:tr h="299824">
-                <a:tc>
-                  <a:txBody>
-                    <a:bodyPr/>
-                    <a:lstStyle/>
-                    <a:p>
-                      <a:pPr marL="0" indent="0" algn="ctr" latinLnBrk="1">
-                        <a:buNone/>
-                      </a:pPr>
-                      <a:r>
-                        <a:rPr lang="ko-KR" altLang="en-US" sz="1050" dirty="0"/>
-                        <a:t>홈구장 승률</a:t>
-                      </a:r>
-                      <a:endParaRPr lang="en-US" altLang="ko-KR" sz="1050" dirty="0"/>
-                    </a:p>
-                  </a:txBody>
-                  <a:tcPr anchor="ctr"/>
-                </a:tc>
-                <a:tc>
-                  <a:txBody>
-                    <a:bodyPr/>
-                    <a:lstStyle/>
-                    <a:p>
-                      <a:pPr algn="ctr" latinLnBrk="1"/>
-                      <a:r>
-                        <a:rPr lang="en-US" altLang="ko-KR" sz="1050" dirty="0"/>
-                        <a:t>2</a:t>
-                      </a:r>
-                      <a:r>
-                        <a:rPr lang="ko-KR" altLang="en-US" sz="1050" dirty="0"/>
-                        <a:t>군 운영예산</a:t>
-                      </a:r>
-                      <a:endParaRPr lang="en-US" altLang="ko-KR" sz="1050" dirty="0"/>
-                    </a:p>
-                  </a:txBody>
-                  <a:tcPr anchor="ctr"/>
-                </a:tc>
-                <a:tc>
-                  <a:txBody>
-                    <a:bodyPr/>
-                    <a:lstStyle/>
-                    <a:p>
-                      <a:pPr algn="ctr" latinLnBrk="1"/>
-                      <a:endParaRPr lang="ko-KR" altLang="en-US" sz="1050" dirty="0"/>
-                    </a:p>
-                  </a:txBody>
-                  <a:tcPr anchor="ctr"/>
-                </a:tc>
-                <a:extLst>
-                  <a:ext uri="{0D108BD9-81ED-4DB2-BD59-A6C34878D82A}">
-                    <a16:rowId xmlns:a16="http://schemas.microsoft.com/office/drawing/2014/main" val="3530316022"/>
-                  </a:ext>
-                </a:extLst>
-              </a:tr>
-              <a:tr h="299824">
-                <a:tc>
-                  <a:txBody>
-                    <a:bodyPr/>
-                    <a:lstStyle/>
-                    <a:p>
-                      <a:pPr algn="ctr" latinLnBrk="1"/>
-                      <a:r>
-                        <a:rPr lang="ko-KR" altLang="en-US" sz="1050" dirty="0"/>
-                        <a:t>전지훈련일수</a:t>
-                      </a:r>
-                      <a:r>
-                        <a:rPr lang="en-US" altLang="ko-KR" sz="1050" dirty="0"/>
-                        <a:t>/</a:t>
-                      </a:r>
-                      <a:r>
-                        <a:rPr lang="ko-KR" altLang="en-US" sz="1050" dirty="0"/>
-                        <a:t>비용</a:t>
-                      </a:r>
-                    </a:p>
-                  </a:txBody>
-                  <a:tcPr anchor="ctr"/>
-                </a:tc>
-                <a:tc>
-                  <a:txBody>
-                    <a:bodyPr/>
-                    <a:lstStyle/>
-                    <a:p>
-                      <a:pPr algn="ctr" latinLnBrk="1"/>
-                      <a:r>
-                        <a:rPr lang="ko-KR" altLang="en-US" sz="1050" dirty="0" err="1"/>
-                        <a:t>코치진</a:t>
-                      </a:r>
-                      <a:r>
-                        <a:rPr lang="ko-KR" altLang="en-US" sz="1050" dirty="0"/>
-                        <a:t> 연봉</a:t>
-                      </a:r>
-                      <a:r>
-                        <a:rPr lang="en-US" altLang="ko-KR" sz="1050" dirty="0"/>
-                        <a:t>/</a:t>
-                      </a:r>
-                      <a:r>
-                        <a:rPr lang="ko-KR" altLang="en-US" sz="1050" dirty="0"/>
-                        <a:t>규모</a:t>
-                      </a:r>
-                    </a:p>
-                  </a:txBody>
-                  <a:tcPr anchor="ctr"/>
-                </a:tc>
-                <a:tc>
-                  <a:txBody>
-                    <a:bodyPr/>
-                    <a:lstStyle/>
-                    <a:p>
-                      <a:pPr algn="ctr" latinLnBrk="1"/>
-                      <a:endParaRPr lang="ko-KR" altLang="en-US" sz="1050" dirty="0"/>
-                    </a:p>
-                  </a:txBody>
-                  <a:tcPr anchor="ctr"/>
-                </a:tc>
-                <a:extLst>
-                  <a:ext uri="{0D108BD9-81ED-4DB2-BD59-A6C34878D82A}">
-                    <a16:rowId xmlns:a16="http://schemas.microsoft.com/office/drawing/2014/main" val="1218144594"/>
-                  </a:ext>
-                </a:extLst>
-              </a:tr>
-              <a:tr h="299824">
-                <a:tc>
-                  <a:txBody>
-                    <a:bodyPr/>
-                    <a:lstStyle/>
-                    <a:p>
-                      <a:pPr algn="ctr" latinLnBrk="1"/>
-                      <a:r>
-                        <a:rPr lang="ko-KR" altLang="en-US" sz="1050" dirty="0" err="1"/>
-                        <a:t>요일별</a:t>
-                      </a:r>
-                      <a:r>
-                        <a:rPr lang="ko-KR" altLang="en-US" sz="1050" dirty="0"/>
-                        <a:t> 승률</a:t>
-                      </a:r>
-                    </a:p>
-                  </a:txBody>
-                  <a:tcPr anchor="ctr"/>
-                </a:tc>
-                <a:tc>
-                  <a:txBody>
-                    <a:bodyPr/>
-                    <a:lstStyle/>
-                    <a:p>
-                      <a:pPr algn="ctr" latinLnBrk="1"/>
-                      <a:endParaRPr lang="ko-KR" altLang="en-US" sz="1050" dirty="0"/>
-                    </a:p>
-                  </a:txBody>
-                  <a:tcPr anchor="ctr"/>
-                </a:tc>
-                <a:tc>
-                  <a:txBody>
-                    <a:bodyPr/>
-                    <a:lstStyle/>
-                    <a:p>
-                      <a:pPr algn="ctr" latinLnBrk="1"/>
-                      <a:endParaRPr lang="ko-KR" altLang="en-US" sz="1050" dirty="0"/>
-                    </a:p>
-                  </a:txBody>
-                  <a:tcPr anchor="ctr"/>
-                </a:tc>
-                <a:extLst>
-                  <a:ext uri="{0D108BD9-81ED-4DB2-BD59-A6C34878D82A}">
-                    <a16:rowId xmlns:a16="http://schemas.microsoft.com/office/drawing/2014/main" val="1262212873"/>
-                  </a:ext>
-                </a:extLst>
-              </a:tr>
-              <a:tr h="299824">
-                <a:tc>
-                  <a:txBody>
-                    <a:bodyPr/>
-                    <a:lstStyle/>
-                    <a:p>
-                      <a:pPr algn="ctr" latinLnBrk="1"/>
-                      <a:endParaRPr lang="ko-KR" altLang="en-US" sz="1050" dirty="0"/>
-                    </a:p>
-                  </a:txBody>
-                  <a:tcPr anchor="ctr"/>
-                </a:tc>
-                <a:tc>
-                  <a:txBody>
-                    <a:bodyPr/>
-                    <a:lstStyle/>
-                    <a:p>
-                      <a:pPr algn="ctr" latinLnBrk="1"/>
-                      <a:endParaRPr lang="ko-KR" altLang="en-US" sz="1050" dirty="0"/>
-                    </a:p>
-                  </a:txBody>
-                  <a:tcPr anchor="ctr"/>
-                </a:tc>
-                <a:tc>
-                  <a:txBody>
-                    <a:bodyPr/>
-                    <a:lstStyle/>
-                    <a:p>
-                      <a:pPr algn="ctr" latinLnBrk="1"/>
-                      <a:endParaRPr lang="ko-KR" altLang="en-US" sz="1050" dirty="0"/>
-                    </a:p>
-                  </a:txBody>
-                  <a:tcPr anchor="ctr"/>
-                </a:tc>
-                <a:extLst>
-                  <a:ext uri="{0D108BD9-81ED-4DB2-BD59-A6C34878D82A}">
-                    <a16:rowId xmlns:a16="http://schemas.microsoft.com/office/drawing/2014/main" val="3496460499"/>
-                  </a:ext>
-                </a:extLst>
-              </a:tr>
-            </a:tbl>
-          </a:graphicData>
-        </a:graphic>
-      </p:graphicFrame>
-      <p:sp>
-        <p:nvSpPr>
-          <p:cNvPr id="10" name="TextBox 9">
-            <a:extLst>
-              <a:ext uri="{FF2B5EF4-FFF2-40B4-BE49-F238E27FC236}">
-                <a16:creationId xmlns:a16="http://schemas.microsoft.com/office/drawing/2014/main" id="{7D2F0F22-D705-A2BF-F793-3BB8039CA6D0}"/>
-              </a:ext>
-            </a:extLst>
-          </p:cNvPr>
-          <p:cNvSpPr txBox="1"/>
-          <p:nvPr/>
-        </p:nvSpPr>
-        <p:spPr>
-          <a:xfrm>
-            <a:off x="1036320" y="3988527"/>
-            <a:ext cx="1356718" cy="369332"/>
-          </a:xfrm>
-          <a:prstGeom prst="rect">
-            <a:avLst/>
-          </a:prstGeom>
-          <a:noFill/>
-        </p:spPr>
-        <p:txBody>
-          <a:bodyPr wrap="none" rtlCol="0">
-            <a:spAutoFit/>
-          </a:bodyPr>
-          <a:lstStyle/>
-          <a:p>
-            <a:r>
-              <a:rPr lang="en-US" altLang="ko-KR" dirty="0"/>
-              <a:t>[</a:t>
-            </a:r>
-            <a:r>
-              <a:rPr lang="ko-KR" altLang="en-US" dirty="0"/>
-              <a:t>구단 </a:t>
-            </a:r>
-            <a:r>
-              <a:rPr lang="en-US" altLang="ko-KR" dirty="0"/>
-              <a:t>STAT]</a:t>
-            </a:r>
-            <a:endParaRPr lang="ko-KR" altLang="en-US" dirty="0"/>
-          </a:p>
-        </p:txBody>
-      </p:sp>
-      <p:graphicFrame>
-        <p:nvGraphicFramePr>
-          <p:cNvPr id="11" name="표 9">
-            <a:extLst>
-              <a:ext uri="{FF2B5EF4-FFF2-40B4-BE49-F238E27FC236}">
-                <a16:creationId xmlns:a16="http://schemas.microsoft.com/office/drawing/2014/main" id="{F35908EF-4E15-B567-AAB9-4FA392A35488}"/>
-              </a:ext>
-            </a:extLst>
-          </p:cNvPr>
-          <p:cNvGraphicFramePr>
-            <a:graphicFrameLocks noGrp="1"/>
-          </p:cNvGraphicFramePr>
-          <p:nvPr>
-            <p:extLst>
-              <p:ext uri="{D42A27DB-BD31-4B8C-83A1-F6EECF244321}">
-                <p14:modId xmlns:p14="http://schemas.microsoft.com/office/powerpoint/2010/main" val="2301400561"/>
-              </p:ext>
-            </p:extLst>
-          </p:nvPr>
-        </p:nvGraphicFramePr>
-        <p:xfrm>
-          <a:off x="6096002" y="1759131"/>
-          <a:ext cx="4641669" cy="2098768"/>
-        </p:xfrm>
-        <a:graphic>
-          <a:graphicData uri="http://schemas.openxmlformats.org/drawingml/2006/table">
-            <a:tbl>
-              <a:tblPr firstRow="1" bandRow="1">
-                <a:tableStyleId>{5C22544A-7EE6-4342-B048-85BDC9FD1C3A}</a:tableStyleId>
-              </a:tblPr>
-              <a:tblGrid>
-                <a:gridCol w="1547223">
-                  <a:extLst>
-                    <a:ext uri="{9D8B030D-6E8A-4147-A177-3AD203B41FA5}">
-                      <a16:colId xmlns:a16="http://schemas.microsoft.com/office/drawing/2014/main" val="2866882721"/>
-                    </a:ext>
-                  </a:extLst>
-                </a:gridCol>
-                <a:gridCol w="1547223">
-                  <a:extLst>
-                    <a:ext uri="{9D8B030D-6E8A-4147-A177-3AD203B41FA5}">
-                      <a16:colId xmlns:a16="http://schemas.microsoft.com/office/drawing/2014/main" val="3721905448"/>
-                    </a:ext>
-                  </a:extLst>
-                </a:gridCol>
-                <a:gridCol w="1547223">
-                  <a:extLst>
-                    <a:ext uri="{9D8B030D-6E8A-4147-A177-3AD203B41FA5}">
-                      <a16:colId xmlns:a16="http://schemas.microsoft.com/office/drawing/2014/main" val="1174549698"/>
-                    </a:ext>
-                  </a:extLst>
-                </a:gridCol>
-              </a:tblGrid>
-              <a:tr h="299824">
-                <a:tc>
-                  <a:txBody>
-                    <a:bodyPr/>
-                    <a:lstStyle/>
-                    <a:p>
-                      <a:pPr algn="ctr" latinLnBrk="1"/>
-                      <a:r>
-                        <a:rPr lang="ko-KR" altLang="en-US" sz="1200" dirty="0"/>
-                        <a:t>항목</a:t>
-                      </a:r>
-                    </a:p>
-                  </a:txBody>
-                  <a:tcPr anchor="ctr"/>
-                </a:tc>
-                <a:tc>
-                  <a:txBody>
-                    <a:bodyPr/>
-                    <a:lstStyle/>
-                    <a:p>
-                      <a:pPr algn="ctr" latinLnBrk="1"/>
-                      <a:r>
-                        <a:rPr lang="ko-KR" altLang="en-US" sz="1200" dirty="0"/>
-                        <a:t>항목</a:t>
-                      </a:r>
-                    </a:p>
-                  </a:txBody>
-                  <a:tcPr anchor="ctr"/>
-                </a:tc>
-                <a:tc>
-                  <a:txBody>
-                    <a:bodyPr/>
-                    <a:lstStyle/>
-                    <a:p>
-                      <a:pPr algn="ctr" latinLnBrk="1"/>
-                      <a:endParaRPr lang="ko-KR" altLang="en-US" sz="1200" dirty="0"/>
-                    </a:p>
-                  </a:txBody>
-                  <a:tcPr anchor="ctr"/>
-                </a:tc>
-                <a:extLst>
-                  <a:ext uri="{0D108BD9-81ED-4DB2-BD59-A6C34878D82A}">
-                    <a16:rowId xmlns:a16="http://schemas.microsoft.com/office/drawing/2014/main" val="3654045090"/>
-                  </a:ext>
-                </a:extLst>
-              </a:tr>
-              <a:tr h="299824">
-                <a:tc>
-                  <a:txBody>
-                    <a:bodyPr/>
-                    <a:lstStyle/>
-                    <a:p>
-                      <a:pPr algn="ctr" latinLnBrk="1"/>
-                      <a:r>
-                        <a:rPr lang="ko-KR" altLang="en-US" sz="1050" dirty="0"/>
-                        <a:t>키</a:t>
-                      </a:r>
-                    </a:p>
-                  </a:txBody>
-                  <a:tcPr anchor="ctr"/>
-                </a:tc>
-                <a:tc>
-                  <a:txBody>
-                    <a:bodyPr/>
-                    <a:lstStyle/>
-                    <a:p>
-                      <a:pPr algn="ctr" latinLnBrk="1"/>
-                      <a:r>
-                        <a:rPr lang="ko-KR" altLang="en-US" sz="1050" dirty="0" err="1"/>
-                        <a:t>피홈런</a:t>
-                      </a:r>
-                      <a:r>
-                        <a:rPr lang="en-US" altLang="ko-KR" sz="1050" dirty="0"/>
-                        <a:t>/9</a:t>
-                      </a:r>
-                    </a:p>
-                  </a:txBody>
-                  <a:tcPr anchor="ctr"/>
-                </a:tc>
-                <a:tc>
-                  <a:txBody>
-                    <a:bodyPr/>
-                    <a:lstStyle/>
-                    <a:p>
-                      <a:pPr algn="ctr" latinLnBrk="1"/>
-                      <a:r>
-                        <a:rPr lang="ko-KR" altLang="en-US" sz="1050" dirty="0"/>
-                        <a:t>나이</a:t>
-                      </a:r>
-                    </a:p>
-                  </a:txBody>
-                  <a:tcPr anchor="ctr"/>
-                </a:tc>
-                <a:extLst>
-                  <a:ext uri="{0D108BD9-81ED-4DB2-BD59-A6C34878D82A}">
-                    <a16:rowId xmlns:a16="http://schemas.microsoft.com/office/drawing/2014/main" val="383775560"/>
-                  </a:ext>
-                </a:extLst>
-              </a:tr>
-              <a:tr h="299824">
-                <a:tc>
-                  <a:txBody>
-                    <a:bodyPr/>
-                    <a:lstStyle/>
-                    <a:p>
-                      <a:pPr marL="0" indent="0" algn="ctr" latinLnBrk="1">
-                        <a:buNone/>
-                      </a:pPr>
-                      <a:r>
-                        <a:rPr lang="ko-KR" altLang="en-US" sz="1050" dirty="0"/>
-                        <a:t>몸무게</a:t>
-                      </a:r>
-                    </a:p>
-                  </a:txBody>
-                  <a:tcPr anchor="ctr"/>
-                </a:tc>
-                <a:tc>
-                  <a:txBody>
-                    <a:bodyPr/>
-                    <a:lstStyle/>
-                    <a:p>
-                      <a:pPr algn="ctr" latinLnBrk="1"/>
-                      <a:r>
-                        <a:rPr lang="en-US" altLang="ko-KR" sz="1050" dirty="0"/>
-                        <a:t>ERA</a:t>
-                      </a:r>
-                      <a:endParaRPr lang="ko-KR" altLang="en-US" sz="1050" dirty="0"/>
-                    </a:p>
-                  </a:txBody>
-                  <a:tcPr anchor="ctr"/>
-                </a:tc>
-                <a:tc>
-                  <a:txBody>
-                    <a:bodyPr/>
-                    <a:lstStyle/>
-                    <a:p>
-                      <a:pPr algn="ctr" latinLnBrk="1"/>
-                      <a:endParaRPr lang="ko-KR" altLang="en-US" sz="1050" dirty="0"/>
-                    </a:p>
-                  </a:txBody>
-                  <a:tcPr anchor="ctr"/>
-                </a:tc>
-                <a:extLst>
-                  <a:ext uri="{0D108BD9-81ED-4DB2-BD59-A6C34878D82A}">
-                    <a16:rowId xmlns:a16="http://schemas.microsoft.com/office/drawing/2014/main" val="2288147001"/>
-                  </a:ext>
-                </a:extLst>
-              </a:tr>
-              <a:tr h="299824">
-                <a:tc>
-                  <a:txBody>
-                    <a:bodyPr/>
-                    <a:lstStyle/>
-                    <a:p>
-                      <a:pPr marL="0" indent="0" algn="ctr" latinLnBrk="1">
-                        <a:buNone/>
-                      </a:pPr>
-                      <a:r>
-                        <a:rPr lang="ko-KR" altLang="en-US" sz="1050" dirty="0"/>
-                        <a:t>좌</a:t>
-                      </a:r>
-                      <a:r>
-                        <a:rPr lang="en-US" altLang="ko-KR" sz="1050" dirty="0"/>
-                        <a:t>/</a:t>
-                      </a:r>
-                      <a:r>
-                        <a:rPr lang="ko-KR" altLang="en-US" sz="1050" dirty="0"/>
-                        <a:t>우</a:t>
-                      </a:r>
-                      <a:endParaRPr lang="en-US" altLang="ko-KR" sz="1050" dirty="0"/>
-                    </a:p>
-                  </a:txBody>
-                  <a:tcPr anchor="ctr"/>
-                </a:tc>
-                <a:tc>
-                  <a:txBody>
-                    <a:bodyPr/>
-                    <a:lstStyle/>
-                    <a:p>
-                      <a:pPr algn="ctr" latinLnBrk="1"/>
-                      <a:r>
-                        <a:rPr lang="en-US" altLang="ko-KR" sz="1050" dirty="0"/>
-                        <a:t>WAR</a:t>
-                      </a:r>
-                    </a:p>
-                  </a:txBody>
-                  <a:tcPr anchor="ctr"/>
-                </a:tc>
-                <a:tc>
-                  <a:txBody>
-                    <a:bodyPr/>
-                    <a:lstStyle/>
-                    <a:p>
-                      <a:pPr algn="ctr" latinLnBrk="1"/>
-                      <a:endParaRPr lang="ko-KR" altLang="en-US" sz="1050" dirty="0"/>
-                    </a:p>
-                  </a:txBody>
-                  <a:tcPr anchor="ctr"/>
-                </a:tc>
-                <a:extLst>
-                  <a:ext uri="{0D108BD9-81ED-4DB2-BD59-A6C34878D82A}">
-                    <a16:rowId xmlns:a16="http://schemas.microsoft.com/office/drawing/2014/main" val="3530316022"/>
-                  </a:ext>
-                </a:extLst>
-              </a:tr>
-              <a:tr h="299824">
-                <a:tc>
-                  <a:txBody>
-                    <a:bodyPr/>
-                    <a:lstStyle/>
-                    <a:p>
-                      <a:pPr algn="ctr" latinLnBrk="1"/>
-                      <a:r>
-                        <a:rPr lang="ko-KR" altLang="en-US" sz="1050" dirty="0"/>
-                        <a:t>승률</a:t>
-                      </a:r>
-                    </a:p>
-                  </a:txBody>
-                  <a:tcPr anchor="ctr"/>
-                </a:tc>
-                <a:tc>
-                  <a:txBody>
-                    <a:bodyPr/>
-                    <a:lstStyle/>
-                    <a:p>
-                      <a:pPr algn="ctr" latinLnBrk="1"/>
-                      <a:endParaRPr lang="ko-KR" altLang="en-US" sz="1050" dirty="0"/>
-                    </a:p>
-                  </a:txBody>
-                  <a:tcPr anchor="ctr"/>
-                </a:tc>
-                <a:tc>
-                  <a:txBody>
-                    <a:bodyPr/>
-                    <a:lstStyle/>
-                    <a:p>
-                      <a:pPr algn="ctr" latinLnBrk="1"/>
-                      <a:endParaRPr lang="ko-KR" altLang="en-US" sz="1050" dirty="0"/>
-                    </a:p>
-                  </a:txBody>
-                  <a:tcPr anchor="ctr"/>
-                </a:tc>
-                <a:extLst>
-                  <a:ext uri="{0D108BD9-81ED-4DB2-BD59-A6C34878D82A}">
-                    <a16:rowId xmlns:a16="http://schemas.microsoft.com/office/drawing/2014/main" val="1218144594"/>
-                  </a:ext>
-                </a:extLst>
-              </a:tr>
-              <a:tr h="299824">
-                <a:tc>
-                  <a:txBody>
-                    <a:bodyPr/>
-                    <a:lstStyle/>
-                    <a:p>
-                      <a:pPr algn="ctr" latinLnBrk="1"/>
-                      <a:r>
-                        <a:rPr lang="ko-KR" altLang="en-US" sz="1050" dirty="0"/>
-                        <a:t>삼진</a:t>
-                      </a:r>
-                      <a:r>
-                        <a:rPr lang="en-US" altLang="ko-KR" sz="1050" dirty="0"/>
-                        <a:t>/9</a:t>
-                      </a:r>
-                      <a:endParaRPr lang="ko-KR" altLang="en-US" sz="1050" dirty="0"/>
-                    </a:p>
-                  </a:txBody>
-                  <a:tcPr anchor="ctr"/>
-                </a:tc>
-                <a:tc>
-                  <a:txBody>
-                    <a:bodyPr/>
-                    <a:lstStyle/>
-                    <a:p>
-                      <a:pPr algn="ctr" latinLnBrk="1"/>
-                      <a:endParaRPr lang="ko-KR" altLang="en-US" sz="1050" dirty="0"/>
-                    </a:p>
-                  </a:txBody>
-                  <a:tcPr anchor="ctr"/>
-                </a:tc>
-                <a:tc>
-                  <a:txBody>
-                    <a:bodyPr/>
-                    <a:lstStyle/>
-                    <a:p>
-                      <a:pPr algn="ctr" latinLnBrk="1"/>
-                      <a:endParaRPr lang="ko-KR" altLang="en-US" sz="1050" dirty="0"/>
-                    </a:p>
-                  </a:txBody>
-                  <a:tcPr anchor="ctr"/>
-                </a:tc>
-                <a:extLst>
-                  <a:ext uri="{0D108BD9-81ED-4DB2-BD59-A6C34878D82A}">
-                    <a16:rowId xmlns:a16="http://schemas.microsoft.com/office/drawing/2014/main" val="1262212873"/>
-                  </a:ext>
-                </a:extLst>
-              </a:tr>
-              <a:tr h="299824">
-                <a:tc>
-                  <a:txBody>
-                    <a:bodyPr/>
-                    <a:lstStyle/>
-                    <a:p>
-                      <a:pPr algn="ctr" latinLnBrk="1"/>
-                      <a:r>
-                        <a:rPr lang="ko-KR" altLang="en-US" sz="1050" dirty="0"/>
-                        <a:t>볼넷</a:t>
-                      </a:r>
-                      <a:r>
-                        <a:rPr lang="en-US" altLang="ko-KR" sz="1050" dirty="0"/>
-                        <a:t>/9</a:t>
-                      </a:r>
-                      <a:endParaRPr lang="ko-KR" altLang="en-US" sz="1050" dirty="0"/>
-                    </a:p>
-                  </a:txBody>
-                  <a:tcPr anchor="ctr"/>
-                </a:tc>
-                <a:tc>
-                  <a:txBody>
-                    <a:bodyPr/>
-                    <a:lstStyle/>
-                    <a:p>
-                      <a:pPr algn="ctr" latinLnBrk="1"/>
-                      <a:endParaRPr lang="ko-KR" altLang="en-US" sz="1050" dirty="0"/>
-                    </a:p>
-                  </a:txBody>
-                  <a:tcPr anchor="ctr"/>
-                </a:tc>
-                <a:tc>
-                  <a:txBody>
-                    <a:bodyPr/>
-                    <a:lstStyle/>
-                    <a:p>
-                      <a:pPr algn="ctr" latinLnBrk="1"/>
-                      <a:endParaRPr lang="ko-KR" altLang="en-US" sz="1050" dirty="0"/>
-                    </a:p>
-                  </a:txBody>
-                  <a:tcPr anchor="ctr"/>
-                </a:tc>
-                <a:extLst>
-                  <a:ext uri="{0D108BD9-81ED-4DB2-BD59-A6C34878D82A}">
-                    <a16:rowId xmlns:a16="http://schemas.microsoft.com/office/drawing/2014/main" val="3496460499"/>
-                  </a:ext>
-                </a:extLst>
-              </a:tr>
-            </a:tbl>
-          </a:graphicData>
-        </a:graphic>
-      </p:graphicFrame>
-      <p:sp>
-        <p:nvSpPr>
-          <p:cNvPr id="12" name="TextBox 11">
-            <a:extLst>
-              <a:ext uri="{FF2B5EF4-FFF2-40B4-BE49-F238E27FC236}">
-                <a16:creationId xmlns:a16="http://schemas.microsoft.com/office/drawing/2014/main" id="{9831CA46-8B8B-9787-CF9C-F716F7FCAC39}"/>
-              </a:ext>
-            </a:extLst>
-          </p:cNvPr>
-          <p:cNvSpPr txBox="1"/>
-          <p:nvPr/>
-        </p:nvSpPr>
-        <p:spPr>
-          <a:xfrm>
-            <a:off x="6096000" y="1280160"/>
-            <a:ext cx="1356718" cy="369332"/>
-          </a:xfrm>
-          <a:prstGeom prst="rect">
-            <a:avLst/>
-          </a:prstGeom>
-          <a:noFill/>
-        </p:spPr>
-        <p:txBody>
-          <a:bodyPr wrap="none" rtlCol="0">
-            <a:spAutoFit/>
-          </a:bodyPr>
-          <a:lstStyle/>
-          <a:p>
-            <a:r>
-              <a:rPr lang="en-US" altLang="ko-KR" dirty="0"/>
-              <a:t>[</a:t>
-            </a:r>
-            <a:r>
-              <a:rPr lang="ko-KR" altLang="en-US" dirty="0"/>
-              <a:t>투수 </a:t>
-            </a:r>
-            <a:r>
-              <a:rPr lang="en-US" altLang="ko-KR" dirty="0"/>
-              <a:t>STAT]</a:t>
-            </a:r>
-            <a:endParaRPr lang="ko-KR" altLang="en-US" dirty="0"/>
-          </a:p>
-        </p:txBody>
-      </p:sp>
-      <p:sp>
-        <p:nvSpPr>
-          <p:cNvPr id="13" name="TextBox 12">
-            <a:extLst>
-              <a:ext uri="{FF2B5EF4-FFF2-40B4-BE49-F238E27FC236}">
-                <a16:creationId xmlns:a16="http://schemas.microsoft.com/office/drawing/2014/main" id="{A5B40AB8-F7FF-C6E4-3215-D53B65310E4F}"/>
-              </a:ext>
-            </a:extLst>
-          </p:cNvPr>
-          <p:cNvSpPr txBox="1"/>
-          <p:nvPr/>
-        </p:nvSpPr>
-        <p:spPr>
-          <a:xfrm>
-            <a:off x="1036320" y="404948"/>
-            <a:ext cx="4248279" cy="369332"/>
-          </a:xfrm>
-          <a:prstGeom prst="rect">
-            <a:avLst/>
-          </a:prstGeom>
-          <a:noFill/>
-        </p:spPr>
-        <p:txBody>
-          <a:bodyPr wrap="none" rtlCol="0">
-            <a:spAutoFit/>
-          </a:bodyPr>
-          <a:lstStyle/>
-          <a:p>
-            <a:r>
-              <a:rPr lang="en-US" altLang="ko-KR" dirty="0"/>
-              <a:t>[</a:t>
-            </a:r>
-            <a:r>
-              <a:rPr lang="ko-KR" altLang="en-US" dirty="0"/>
-              <a:t>주제 </a:t>
-            </a:r>
-            <a:r>
-              <a:rPr lang="en-US" altLang="ko-KR" dirty="0"/>
-              <a:t>: </a:t>
-            </a:r>
-            <a:r>
-              <a:rPr lang="ko-KR" altLang="en-US" dirty="0"/>
-              <a:t>메이저리그 승리 예상 프로그램</a:t>
-            </a:r>
-            <a:r>
-              <a:rPr lang="en-US" altLang="ko-KR" dirty="0"/>
-              <a:t>]</a:t>
-            </a:r>
-            <a:endParaRPr lang="ko-KR" altLang="en-US" dirty="0"/>
-          </a:p>
-        </p:txBody>
-      </p:sp>
-    </p:spTree>
-    <p:extLst>
-      <p:ext uri="{BB962C8B-B14F-4D97-AF65-F5344CB8AC3E}">
-        <p14:creationId xmlns:p14="http://schemas.microsoft.com/office/powerpoint/2010/main" val="1970044779"/>
-      </p:ext>
-    </p:extLst>
-  </p:cSld>
-  <p:clrMapOvr>
-    <a:masterClrMapping/>
-  </p:clrMapOvr>
-</p:sld>
-</file>
-
-<file path=ppt/slides/slide3.xml><?xml version="1.0" encoding="utf-8"?>
-<p:sld xmlns:a="http://schemas.openxmlformats.org/drawingml/2006/main" xmlns:r="http://schemas.openxmlformats.org/officeDocument/2006/relationships" xmlns:p="http://schemas.openxmlformats.org/presentationml/2006/main">
-  <p:cSld>
-    <p:spTree>
-      <p:nvGrpSpPr>
-        <p:cNvPr id="1" name=""/>
-        <p:cNvGrpSpPr/>
-        <p:nvPr/>
-      </p:nvGrpSpPr>
-      <p:grpSpPr>
-        <a:xfrm>
-          <a:off x="0" y="0"/>
-          <a:ext cx="0" cy="0"/>
-          <a:chOff x="0" y="0"/>
-          <a:chExt cx="0" cy="0"/>
-        </a:xfrm>
-      </p:grpSpPr>
-      <p:sp>
-        <p:nvSpPr>
-          <p:cNvPr id="4" name="TextBox 3">
-            <a:extLst>
-              <a:ext uri="{FF2B5EF4-FFF2-40B4-BE49-F238E27FC236}">
-                <a16:creationId xmlns:a16="http://schemas.microsoft.com/office/drawing/2014/main" id="{560CF893-7905-28AA-A78E-46E076D67ECF}"/>
-              </a:ext>
-            </a:extLst>
-          </p:cNvPr>
-          <p:cNvSpPr txBox="1"/>
-          <p:nvPr/>
-        </p:nvSpPr>
-        <p:spPr>
-          <a:xfrm>
-            <a:off x="1036320" y="801189"/>
-            <a:ext cx="1330814" cy="369332"/>
-          </a:xfrm>
-          <a:prstGeom prst="rect">
-            <a:avLst/>
-          </a:prstGeom>
-          <a:noFill/>
-        </p:spPr>
-        <p:txBody>
-          <a:bodyPr wrap="none" rtlCol="0">
-            <a:spAutoFit/>
-          </a:bodyPr>
-          <a:lstStyle/>
-          <a:p>
-            <a:r>
-              <a:rPr lang="en-US" altLang="ko-KR" dirty="0"/>
-              <a:t>[</a:t>
-            </a:r>
-            <a:r>
-              <a:rPr lang="ko-KR" altLang="en-US" dirty="0"/>
-              <a:t>분석 내용</a:t>
-            </a:r>
-            <a:r>
-              <a:rPr lang="en-US" altLang="ko-KR" dirty="0"/>
-              <a:t>]</a:t>
-            </a:r>
-            <a:endParaRPr lang="ko-KR" altLang="en-US" dirty="0"/>
-          </a:p>
-        </p:txBody>
-      </p:sp>
-      <p:sp>
-        <p:nvSpPr>
-          <p:cNvPr id="5" name="TextBox 4">
-            <a:extLst>
-              <a:ext uri="{FF2B5EF4-FFF2-40B4-BE49-F238E27FC236}">
-                <a16:creationId xmlns:a16="http://schemas.microsoft.com/office/drawing/2014/main" id="{75628C94-3B1F-85FD-F46D-D46FC22B716E}"/>
-              </a:ext>
-            </a:extLst>
-          </p:cNvPr>
-          <p:cNvSpPr txBox="1"/>
-          <p:nvPr/>
-        </p:nvSpPr>
-        <p:spPr>
-          <a:xfrm>
-            <a:off x="1036320" y="1323703"/>
-            <a:ext cx="10264348" cy="2862322"/>
-          </a:xfrm>
-          <a:prstGeom prst="rect">
-            <a:avLst/>
-          </a:prstGeom>
-          <a:noFill/>
-        </p:spPr>
-        <p:txBody>
-          <a:bodyPr wrap="none" rtlCol="0">
-            <a:spAutoFit/>
-          </a:bodyPr>
-          <a:lstStyle/>
-          <a:p>
-            <a:pPr marL="342900" indent="-342900">
-              <a:buAutoNum type="arabicPeriod"/>
-            </a:pPr>
-            <a:r>
-              <a:rPr lang="ko-KR" altLang="en-US" dirty="0"/>
-              <a:t>다음 경기의 승패 예측</a:t>
-            </a:r>
-            <a:r>
-              <a:rPr lang="en-US" altLang="ko-KR" dirty="0"/>
-              <a:t>:</a:t>
-            </a:r>
-          </a:p>
-          <a:p>
-            <a:r>
-              <a:rPr lang="en-US" altLang="ko-KR" dirty="0"/>
-              <a:t>     </a:t>
-            </a:r>
-            <a:r>
-              <a:rPr lang="ko-KR" altLang="en-US" dirty="0"/>
-              <a:t>양 팀의 엔트리 선수들의 </a:t>
-            </a:r>
-            <a:r>
-              <a:rPr lang="en-US" altLang="ko-KR" dirty="0"/>
-              <a:t>STAT, </a:t>
-            </a:r>
-            <a:r>
-              <a:rPr lang="ko-KR" altLang="en-US" dirty="0"/>
-              <a:t>역대 승률을 기반으로 승패 예측</a:t>
-            </a:r>
-            <a:endParaRPr lang="en-US" altLang="ko-KR" dirty="0"/>
-          </a:p>
-          <a:p>
-            <a:endParaRPr lang="en-US" altLang="ko-KR" dirty="0"/>
-          </a:p>
-          <a:p>
-            <a:pPr marL="342900" indent="-342900">
-              <a:buAutoNum type="arabicPeriod"/>
-            </a:pPr>
-            <a:endParaRPr lang="en-US" altLang="ko-KR" dirty="0"/>
-          </a:p>
-          <a:p>
-            <a:pPr marL="342900" indent="-342900">
-              <a:buFont typeface="+mj-lt"/>
-              <a:buAutoNum type="arabicPeriod" startAt="2"/>
-            </a:pPr>
-            <a:r>
-              <a:rPr lang="ko-KR" altLang="en-US" dirty="0" err="1"/>
-              <a:t>당해의</a:t>
-            </a:r>
-            <a:r>
-              <a:rPr lang="ko-KR" altLang="en-US" dirty="0"/>
-              <a:t> 우승 확률 예측</a:t>
-            </a:r>
-            <a:r>
-              <a:rPr lang="en-US" altLang="ko-KR" dirty="0"/>
-              <a:t>:</a:t>
-            </a:r>
-          </a:p>
-          <a:p>
-            <a:r>
-              <a:rPr lang="en-US" altLang="ko-KR" dirty="0"/>
-              <a:t>     </a:t>
-            </a:r>
-            <a:r>
-              <a:rPr lang="ko-KR" altLang="en-US" dirty="0"/>
-              <a:t>작년 순위</a:t>
-            </a:r>
-            <a:r>
-              <a:rPr lang="en-US" altLang="ko-KR" dirty="0"/>
-              <a:t>, </a:t>
-            </a:r>
-            <a:r>
-              <a:rPr lang="ko-KR" altLang="en-US" dirty="0"/>
-              <a:t>올해 현재 순위</a:t>
-            </a:r>
-            <a:r>
-              <a:rPr lang="en-US" altLang="ko-KR" dirty="0"/>
-              <a:t>, </a:t>
-            </a:r>
-            <a:r>
-              <a:rPr lang="ko-KR" altLang="en-US" dirty="0"/>
-              <a:t>선수 </a:t>
-            </a:r>
-            <a:r>
-              <a:rPr lang="en-US" altLang="ko-KR" dirty="0"/>
-              <a:t>STAT</a:t>
-            </a:r>
-            <a:r>
-              <a:rPr lang="ko-KR" altLang="en-US" dirty="0"/>
-              <a:t>을 기반으로 월드 시리즈 우승 확률 예측</a:t>
-            </a:r>
-            <a:endParaRPr lang="en-US" altLang="ko-KR" dirty="0"/>
-          </a:p>
-          <a:p>
-            <a:endParaRPr lang="en-US" altLang="ko-KR" dirty="0"/>
-          </a:p>
-          <a:p>
-            <a:pPr marL="342900" indent="-342900">
-              <a:buFont typeface="+mj-lt"/>
-              <a:buAutoNum type="arabicPeriod" startAt="2"/>
-            </a:pPr>
-            <a:endParaRPr lang="en-US" altLang="ko-KR" dirty="0"/>
-          </a:p>
-          <a:p>
-            <a:pPr marL="342900" indent="-342900">
-              <a:buFont typeface="+mj-lt"/>
-              <a:buAutoNum type="arabicPeriod" startAt="3"/>
-            </a:pPr>
-            <a:r>
-              <a:rPr lang="ko-KR" altLang="en-US" dirty="0"/>
-              <a:t>해당 팀이 올해</a:t>
-            </a:r>
-            <a:r>
-              <a:rPr lang="en-US" altLang="ko-KR" dirty="0"/>
-              <a:t> </a:t>
-            </a:r>
-            <a:r>
-              <a:rPr lang="ko-KR" altLang="en-US" dirty="0"/>
-              <a:t>또는 내년에 우승하기 위해서 무엇이 필요한가</a:t>
-            </a:r>
-            <a:r>
-              <a:rPr lang="en-US" altLang="ko-KR" dirty="0"/>
-              <a:t>? </a:t>
-            </a:r>
-            <a:r>
-              <a:rPr lang="ko-KR" altLang="en-US" dirty="0"/>
-              <a:t>어느 부분을 보완해야 하는가</a:t>
-            </a:r>
-            <a:r>
-              <a:rPr lang="en-US" altLang="ko-KR" dirty="0"/>
-              <a:t>?</a:t>
-            </a:r>
-          </a:p>
-          <a:p>
-            <a:r>
-              <a:rPr lang="en-US" altLang="ko-KR" dirty="0"/>
-              <a:t>     </a:t>
-            </a:r>
-            <a:r>
-              <a:rPr lang="ko-KR" altLang="en-US" dirty="0"/>
-              <a:t>타 팀에 비해 무엇이 부족한가</a:t>
-            </a:r>
-            <a:r>
-              <a:rPr lang="en-US" altLang="ko-KR" dirty="0"/>
-              <a:t>?</a:t>
-            </a:r>
-          </a:p>
-        </p:txBody>
-      </p:sp>
-      <p:sp>
-        <p:nvSpPr>
-          <p:cNvPr id="6" name="TextBox 5">
-            <a:extLst>
-              <a:ext uri="{FF2B5EF4-FFF2-40B4-BE49-F238E27FC236}">
-                <a16:creationId xmlns:a16="http://schemas.microsoft.com/office/drawing/2014/main" id="{92A15D7A-F888-F79F-AFA4-70B88CAA4BA5}"/>
-              </a:ext>
-            </a:extLst>
-          </p:cNvPr>
-          <p:cNvSpPr txBox="1"/>
-          <p:nvPr/>
-        </p:nvSpPr>
-        <p:spPr>
-          <a:xfrm>
-            <a:off x="1036320" y="4572000"/>
-            <a:ext cx="3528530" cy="369332"/>
-          </a:xfrm>
-          <a:prstGeom prst="rect">
-            <a:avLst/>
-          </a:prstGeom>
-          <a:noFill/>
-        </p:spPr>
-        <p:txBody>
-          <a:bodyPr wrap="none" rtlCol="0">
-            <a:spAutoFit/>
-          </a:bodyPr>
-          <a:lstStyle/>
-          <a:p>
-            <a:r>
-              <a:rPr lang="en-US" altLang="ko-KR" dirty="0"/>
-              <a:t>[</a:t>
-            </a:r>
-            <a:r>
-              <a:rPr lang="ko-KR" altLang="en-US" dirty="0"/>
-              <a:t>지금 당장 우리가 필요한 것은</a:t>
-            </a:r>
-            <a:r>
-              <a:rPr lang="en-US" altLang="ko-KR" dirty="0"/>
-              <a:t>?]</a:t>
-            </a:r>
-            <a:endParaRPr lang="ko-KR" altLang="en-US" dirty="0"/>
-          </a:p>
-        </p:txBody>
-      </p:sp>
-      <p:sp>
-        <p:nvSpPr>
-          <p:cNvPr id="7" name="TextBox 6">
-            <a:extLst>
-              <a:ext uri="{FF2B5EF4-FFF2-40B4-BE49-F238E27FC236}">
-                <a16:creationId xmlns:a16="http://schemas.microsoft.com/office/drawing/2014/main" id="{45C68952-1849-C189-22CE-14EFC5877381}"/>
-              </a:ext>
-            </a:extLst>
-          </p:cNvPr>
-          <p:cNvSpPr txBox="1"/>
-          <p:nvPr/>
-        </p:nvSpPr>
-        <p:spPr>
-          <a:xfrm>
-            <a:off x="1036320" y="4958749"/>
-            <a:ext cx="5931432" cy="923330"/>
-          </a:xfrm>
-          <a:prstGeom prst="rect">
-            <a:avLst/>
-          </a:prstGeom>
-          <a:noFill/>
-        </p:spPr>
-        <p:txBody>
-          <a:bodyPr wrap="none" rtlCol="0">
-            <a:spAutoFit/>
-          </a:bodyPr>
-          <a:lstStyle/>
-          <a:p>
-            <a:pPr marL="342900" indent="-342900">
-              <a:buAutoNum type="arabicPeriod"/>
-            </a:pPr>
-            <a:r>
-              <a:rPr lang="ko-KR" altLang="en-US" dirty="0"/>
-              <a:t>데이터</a:t>
-            </a:r>
-            <a:endParaRPr lang="en-US" altLang="ko-KR" dirty="0"/>
-          </a:p>
-          <a:p>
-            <a:pPr marL="342900" indent="-342900">
-              <a:buAutoNum type="arabicPeriod"/>
-            </a:pPr>
-            <a:endParaRPr lang="en-US" altLang="ko-KR" dirty="0"/>
-          </a:p>
-          <a:p>
-            <a:pPr marL="342900" indent="-342900">
-              <a:buFont typeface="+mj-lt"/>
-              <a:buAutoNum type="arabicPeriod" startAt="2"/>
-            </a:pPr>
-            <a:r>
-              <a:rPr lang="ko-KR" altLang="en-US" dirty="0"/>
-              <a:t>예측모델 선정</a:t>
-            </a:r>
-            <a:r>
-              <a:rPr lang="en-US" altLang="ko-KR" dirty="0"/>
-              <a:t>?  </a:t>
-            </a:r>
-            <a:r>
-              <a:rPr lang="ko-KR" altLang="en-US" dirty="0"/>
-              <a:t>적절한 예측모델이 있기나 한 </a:t>
-            </a:r>
-            <a:r>
-              <a:rPr lang="ko-KR" altLang="en-US" dirty="0" err="1"/>
-              <a:t>걸가</a:t>
-            </a:r>
-            <a:r>
-              <a:rPr lang="en-US" altLang="ko-KR" dirty="0"/>
-              <a:t>?</a:t>
-            </a:r>
-          </a:p>
-        </p:txBody>
-      </p:sp>
-    </p:spTree>
-    <p:extLst>
-      <p:ext uri="{BB962C8B-B14F-4D97-AF65-F5344CB8AC3E}">
-        <p14:creationId xmlns:p14="http://schemas.microsoft.com/office/powerpoint/2010/main" val="3656881940"/>
       </p:ext>
     </p:extLst>
   </p:cSld>
